--- a/기획/방랑엽사전/문파 시스템 기획서.pptx
+++ b/기획/방랑엽사전/문파 시스템 기획서.pptx
@@ -241,7 +241,7 @@
           <a:p>
             <a:fld id="{C8649E71-8129-4905-BAC0-51D65A0C1379}" type="datetimeFigureOut">
               <a:rPr lang="ko-KR" altLang="en-US" smtClean="0"/>
-              <a:t>2024-01-26</a:t>
+              <a:t>2024-01-29</a:t>
             </a:fld>
             <a:endParaRPr lang="ko-KR" altLang="en-US"/>
           </a:p>
@@ -739,7 +739,7 @@
           <a:p>
             <a:fld id="{523D6941-6B33-4834-BC65-A333846D27E6}" type="datetimeFigureOut">
               <a:rPr lang="ko-KR" altLang="en-US" smtClean="0"/>
-              <a:t>2024-01-26</a:t>
+              <a:t>2024-01-29</a:t>
             </a:fld>
             <a:endParaRPr lang="ko-KR" altLang="en-US"/>
           </a:p>
@@ -937,7 +937,7 @@
           <a:p>
             <a:fld id="{523D6941-6B33-4834-BC65-A333846D27E6}" type="datetimeFigureOut">
               <a:rPr lang="ko-KR" altLang="en-US" smtClean="0"/>
-              <a:t>2024-01-26</a:t>
+              <a:t>2024-01-29</a:t>
             </a:fld>
             <a:endParaRPr lang="ko-KR" altLang="en-US"/>
           </a:p>
@@ -1145,7 +1145,7 @@
           <a:p>
             <a:fld id="{523D6941-6B33-4834-BC65-A333846D27E6}" type="datetimeFigureOut">
               <a:rPr lang="ko-KR" altLang="en-US" smtClean="0"/>
-              <a:t>2024-01-26</a:t>
+              <a:t>2024-01-29</a:t>
             </a:fld>
             <a:endParaRPr lang="ko-KR" altLang="en-US"/>
           </a:p>
@@ -1358,7 +1358,7 @@
           <a:p>
             <a:fld id="{523D6941-6B33-4834-BC65-A333846D27E6}" type="datetimeFigureOut">
               <a:rPr lang="ko-KR" altLang="en-US" smtClean="0"/>
-              <a:t>2024-01-26</a:t>
+              <a:t>2024-01-29</a:t>
             </a:fld>
             <a:endParaRPr lang="ko-KR" altLang="en-US"/>
           </a:p>
@@ -1643,7 +1643,7 @@
           <a:p>
             <a:fld id="{523D6941-6B33-4834-BC65-A333846D27E6}" type="datetimeFigureOut">
               <a:rPr lang="ko-KR" altLang="en-US" smtClean="0"/>
-              <a:t>2024-01-26</a:t>
+              <a:t>2024-01-29</a:t>
             </a:fld>
             <a:endParaRPr lang="ko-KR" altLang="en-US"/>
           </a:p>
@@ -1908,7 +1908,7 @@
           <a:p>
             <a:fld id="{523D6941-6B33-4834-BC65-A333846D27E6}" type="datetimeFigureOut">
               <a:rPr lang="ko-KR" altLang="en-US" smtClean="0"/>
-              <a:t>2024-01-26</a:t>
+              <a:t>2024-01-29</a:t>
             </a:fld>
             <a:endParaRPr lang="ko-KR" altLang="en-US"/>
           </a:p>
@@ -2320,7 +2320,7 @@
           <a:p>
             <a:fld id="{523D6941-6B33-4834-BC65-A333846D27E6}" type="datetimeFigureOut">
               <a:rPr lang="ko-KR" altLang="en-US" smtClean="0"/>
-              <a:t>2024-01-26</a:t>
+              <a:t>2024-01-29</a:t>
             </a:fld>
             <a:endParaRPr lang="ko-KR" altLang="en-US"/>
           </a:p>
@@ -2461,7 +2461,7 @@
           <a:p>
             <a:fld id="{523D6941-6B33-4834-BC65-A333846D27E6}" type="datetimeFigureOut">
               <a:rPr lang="ko-KR" altLang="en-US" smtClean="0"/>
-              <a:t>2024-01-26</a:t>
+              <a:t>2024-01-29</a:t>
             </a:fld>
             <a:endParaRPr lang="ko-KR" altLang="en-US"/>
           </a:p>
@@ -2574,7 +2574,7 @@
           <a:p>
             <a:fld id="{523D6941-6B33-4834-BC65-A333846D27E6}" type="datetimeFigureOut">
               <a:rPr lang="ko-KR" altLang="en-US" smtClean="0"/>
-              <a:t>2024-01-26</a:t>
+              <a:t>2024-01-29</a:t>
             </a:fld>
             <a:endParaRPr lang="ko-KR" altLang="en-US"/>
           </a:p>
@@ -2885,7 +2885,7 @@
           <a:p>
             <a:fld id="{523D6941-6B33-4834-BC65-A333846D27E6}" type="datetimeFigureOut">
               <a:rPr lang="ko-KR" altLang="en-US" smtClean="0"/>
-              <a:t>2024-01-26</a:t>
+              <a:t>2024-01-29</a:t>
             </a:fld>
             <a:endParaRPr lang="ko-KR" altLang="en-US"/>
           </a:p>
@@ -3173,7 +3173,7 @@
           <a:p>
             <a:fld id="{523D6941-6B33-4834-BC65-A333846D27E6}" type="datetimeFigureOut">
               <a:rPr lang="ko-KR" altLang="en-US" smtClean="0"/>
-              <a:t>2024-01-26</a:t>
+              <a:t>2024-01-29</a:t>
             </a:fld>
             <a:endParaRPr lang="ko-KR" altLang="en-US"/>
           </a:p>
@@ -3414,7 +3414,7 @@
           <a:p>
             <a:fld id="{523D6941-6B33-4834-BC65-A333846D27E6}" type="datetimeFigureOut">
               <a:rPr lang="ko-KR" altLang="en-US" smtClean="0"/>
-              <a:t>2024-01-26</a:t>
+              <a:t>2024-01-29</a:t>
             </a:fld>
             <a:endParaRPr lang="ko-KR" altLang="en-US"/>
           </a:p>
@@ -4620,14 +4620,14 @@
           <p:nvPr>
             <p:extLst>
               <p:ext uri="{D42A27DB-BD31-4B8C-83A1-F6EECF244321}">
-                <p14:modId xmlns:p14="http://schemas.microsoft.com/office/powerpoint/2010/main" val="1354530237"/>
+                <p14:modId xmlns:p14="http://schemas.microsoft.com/office/powerpoint/2010/main" val="286215060"/>
               </p:ext>
             </p:extLst>
           </p:nvPr>
         </p:nvGraphicFramePr>
         <p:xfrm>
           <a:off x="1990566" y="1795389"/>
-          <a:ext cx="8210868" cy="2103120"/>
+          <a:ext cx="8210868" cy="1828800"/>
         </p:xfrm>
         <a:graphic>
           <a:graphicData uri="http://schemas.openxmlformats.org/drawingml/2006/table">
@@ -4823,7 +4823,7 @@
                         <a:buNone/>
                       </a:pPr>
                       <a:r>
-                        <a:rPr lang="ko-KR" altLang="en-US" sz="1800" kern="1200" dirty="0">
+                        <a:rPr lang="ko-KR" altLang="en-US" sz="1800" kern="1200" dirty="0" err="1">
                           <a:solidFill>
                             <a:schemeClr val="tx1"/>
                           </a:solidFill>
@@ -4831,10 +4831,10 @@
                           <a:ea typeface="맑은 고딕" charset="0"/>
                           <a:cs typeface="Times New Roman" charset="0"/>
                         </a:rPr>
-                        <a:t>플레이어들은 자신의 플레이 방식에 따라서 원하는 </a:t>
-                      </a:r>
-                      <a:r>
-                        <a:rPr lang="ko-KR" altLang="en-US" sz="1800" kern="1200" dirty="0" err="1">
+                        <a:t>문파</a:t>
+                      </a:r>
+                      <a:r>
+                        <a:rPr lang="ko-KR" altLang="en-US" sz="1800" kern="1200" dirty="0">
                           <a:solidFill>
                             <a:schemeClr val="tx1"/>
                           </a:solidFill>
@@ -4842,10 +4842,10 @@
                           <a:ea typeface="맑은 고딕" charset="0"/>
                           <a:cs typeface="Times New Roman" charset="0"/>
                         </a:rPr>
-                        <a:t>문파에</a:t>
-                      </a:r>
-                      <a:r>
-                        <a:rPr lang="ko-KR" altLang="en-US" sz="1800" kern="1200" dirty="0">
+                        <a:t> 별로 획득할 수 있는 보상에 차이가 있고 복수의 </a:t>
+                      </a:r>
+                      <a:r>
+                        <a:rPr lang="ko-KR" altLang="en-US" sz="1800" kern="1200" dirty="0" err="1">
                           <a:solidFill>
                             <a:schemeClr val="tx1"/>
                           </a:solidFill>
@@ -4853,10 +4853,10 @@
                           <a:ea typeface="맑은 고딕" charset="0"/>
                           <a:cs typeface="Times New Roman" charset="0"/>
                         </a:rPr>
-                        <a:t> 소속되어 스킬을 올리거나 장비를 얻어 자신 만의 캐릭터를 육성할 수 있다</a:t>
-                      </a:r>
-                      <a:r>
-                        <a:rPr lang="en-US" altLang="ko-KR" sz="1800" kern="1200" dirty="0">
+                        <a:t>문파에</a:t>
+                      </a:r>
+                      <a:r>
+                        <a:rPr lang="ko-KR" altLang="en-US" sz="1800" kern="1200" dirty="0">
                           <a:solidFill>
                             <a:schemeClr val="tx1"/>
                           </a:solidFill>
@@ -4864,25 +4864,10 @@
                           <a:ea typeface="맑은 고딕" charset="0"/>
                           <a:cs typeface="Times New Roman" charset="0"/>
                         </a:rPr>
-                        <a:t>.</a:t>
-                      </a:r>
-                    </a:p>
-                    <a:p>
-                      <a:pPr marL="0" lvl="1" indent="0" algn="l" defTabSz="914400" rtl="0" eaLnBrk="1" fontAlgn="auto" latinLnBrk="1" hangingPunct="1">
-                        <a:lnSpc>
-                          <a:spcPct val="100000"/>
-                        </a:lnSpc>
-                        <a:spcBef>
-                          <a:spcPct val="0"/>
-                        </a:spcBef>
-                        <a:spcAft>
-                          <a:spcPct val="0"/>
-                        </a:spcAft>
-                        <a:buFontTx/>
-                        <a:buNone/>
-                      </a:pPr>
-                      <a:r>
-                        <a:rPr lang="ko-KR" altLang="en-US" sz="1800" kern="1200" dirty="0">
+                        <a:t> 소속될 수 있기 때문에 플레이어들은 자신들이 원하는 육성 방식이나 전투 방법에 따라 다양한 선택지를 고를 수 있다</a:t>
+                      </a:r>
+                      <a:r>
+                        <a:rPr lang="en-US" altLang="ko-KR" sz="1800" kern="1200" dirty="0">
                           <a:solidFill>
                             <a:schemeClr val="tx1"/>
                           </a:solidFill>
@@ -4890,49 +4875,8 @@
                           <a:ea typeface="맑은 고딕" charset="0"/>
                           <a:cs typeface="Times New Roman" charset="0"/>
                         </a:rPr>
-                        <a:t>또한 </a:t>
-                      </a:r>
-                      <a:r>
-                        <a:rPr lang="ko-KR" altLang="en-US" sz="1800" kern="1200" dirty="0" err="1">
-                          <a:solidFill>
-                            <a:schemeClr val="tx1"/>
-                          </a:solidFill>
-                          <a:latin typeface="맑은 고딕" charset="0"/>
-                          <a:ea typeface="맑은 고딕" charset="0"/>
-                          <a:cs typeface="Times New Roman" charset="0"/>
-                        </a:rPr>
-                        <a:t>문파별로</a:t>
-                      </a:r>
-                      <a:r>
-                        <a:rPr lang="ko-KR" altLang="en-US" sz="1800" kern="1200" dirty="0">
-                          <a:solidFill>
-                            <a:schemeClr val="tx1"/>
-                          </a:solidFill>
-                          <a:latin typeface="맑은 고딕" charset="0"/>
-                          <a:ea typeface="맑은 고딕" charset="0"/>
-                          <a:cs typeface="Times New Roman" charset="0"/>
-                        </a:rPr>
-                        <a:t> 얻을 수 있는 보상에 차이가 있고 숨겨져 있는 정보가 있기에 서로 활발하게 정보를 교환하게 될 것이다</a:t>
-                      </a:r>
-                      <a:r>
-                        <a:rPr lang="en-US" altLang="ko-KR" sz="1800" kern="1200">
-                          <a:solidFill>
-                            <a:schemeClr val="tx1"/>
-                          </a:solidFill>
-                          <a:latin typeface="맑은 고딕" charset="0"/>
-                          <a:ea typeface="맑은 고딕" charset="0"/>
-                          <a:cs typeface="Times New Roman" charset="0"/>
-                        </a:rPr>
                         <a:t>.</a:t>
                       </a:r>
-                      <a:endParaRPr lang="en-US" altLang="ko-KR" sz="1800" kern="1200" dirty="0">
-                        <a:solidFill>
-                          <a:schemeClr val="tx1"/>
-                        </a:solidFill>
-                        <a:latin typeface="맑은 고딕" charset="0"/>
-                        <a:ea typeface="맑은 고딕" charset="0"/>
-                        <a:cs typeface="Times New Roman" charset="0"/>
-                      </a:endParaRPr>
                     </a:p>
                   </a:txBody>
                   <a:tcPr>
@@ -7630,12 +7574,20 @@
               <a:p>
                 <a:pPr algn="ctr"/>
                 <a:r>
+                  <a:rPr lang="ko-KR" altLang="en-US" sz="1400" dirty="0" err="1">
+                    <a:solidFill>
+                      <a:schemeClr val="tx1"/>
+                    </a:solidFill>
+                  </a:rPr>
+                  <a:t>문파</a:t>
+                </a:r>
+                <a:r>
                   <a:rPr lang="ko-KR" altLang="en-US" sz="1400" dirty="0">
                     <a:solidFill>
                       <a:schemeClr val="tx1"/>
                     </a:solidFill>
                   </a:rPr>
-                  <a:t>우호도</a:t>
+                  <a:t> 우호도</a:t>
                 </a:r>
               </a:p>
             </p:txBody>
@@ -7727,7 +7679,23 @@
                       <a:schemeClr val="tx1"/>
                     </a:solidFill>
                   </a:rPr>
-                  <a:t>대화로 우호도 상승</a:t>
+                  <a:t>대화로 </a:t>
+                </a:r>
+                <a:r>
+                  <a:rPr lang="ko-KR" altLang="en-US" sz="1400" b="0" dirty="0" err="1">
+                    <a:solidFill>
+                      <a:schemeClr val="tx1"/>
+                    </a:solidFill>
+                  </a:rPr>
+                  <a:t>문파</a:t>
+                </a:r>
+                <a:r>
+                  <a:rPr lang="ko-KR" altLang="en-US" sz="1400" b="0" dirty="0">
+                    <a:solidFill>
+                      <a:schemeClr val="tx1"/>
+                    </a:solidFill>
+                  </a:rPr>
+                  <a:t> 우호도 상승</a:t>
                 </a:r>
               </a:p>
             </p:txBody>
@@ -7942,12 +7910,20 @@
               <a:p>
                 <a:pPr latinLnBrk="1"/>
                 <a:r>
+                  <a:rPr lang="ko-KR" altLang="en-US" sz="1400" b="0" dirty="0" err="1">
+                    <a:solidFill>
+                      <a:schemeClr val="tx1"/>
+                    </a:solidFill>
+                  </a:rPr>
+                  <a:t>문파</a:t>
+                </a:r>
+                <a:r>
                   <a:rPr lang="ko-KR" altLang="en-US" sz="1400" b="0" dirty="0">
                     <a:solidFill>
                       <a:schemeClr val="tx1"/>
                     </a:solidFill>
                   </a:rPr>
-                  <a:t>우호도 보유 시 </a:t>
+                  <a:t> 우호도 보유 시 </a:t>
                 </a:r>
                 <a:endParaRPr lang="en-US" altLang="ko-KR" sz="1400" b="0" dirty="0">
                   <a:solidFill>
@@ -8594,8 +8570,12 @@
           </a:lstStyle>
           <a:p>
             <a:r>
+              <a:rPr lang="ko-KR" altLang="en-US" dirty="0" err="1"/>
+              <a:t>문파</a:t>
+            </a:r>
+            <a:r>
               <a:rPr lang="ko-KR" altLang="en-US" dirty="0"/>
-              <a:t>우호도</a:t>
+              <a:t> 우호도</a:t>
             </a:r>
             <a:endParaRPr lang="en-US" altLang="ko-KR" dirty="0"/>
           </a:p>
@@ -8623,7 +8603,7 @@
         </p:nvGraphicFramePr>
         <p:xfrm>
           <a:off x="5514658" y="1530033"/>
-          <a:ext cx="5224780" cy="3870960"/>
+          <a:ext cx="5224780" cy="4084320"/>
         </p:xfrm>
         <a:graphic>
           <a:graphicData uri="http://schemas.openxmlformats.org/drawingml/2006/table">
@@ -8653,6 +8633,22 @@
                             <a:schemeClr val="tx1"/>
                           </a:solidFill>
                         </a:rPr>
+                        <a:t>문파</a:t>
+                      </a:r>
+                      <a:r>
+                        <a:rPr lang="ko-KR" altLang="en-US" sz="1400" b="0" dirty="0">
+                          <a:solidFill>
+                            <a:schemeClr val="tx1"/>
+                          </a:solidFill>
+                        </a:rPr>
+                        <a:t> </a:t>
+                      </a:r>
+                      <a:r>
+                        <a:rPr lang="ko-KR" altLang="en-US" sz="1400" b="0" dirty="0" err="1">
+                          <a:solidFill>
+                            <a:schemeClr val="tx1"/>
+                          </a:solidFill>
+                        </a:rPr>
                         <a:t>우호도란</a:t>
                       </a:r>
                       <a:r>
@@ -8745,12 +8741,20 @@
                     <a:p>
                       <a:pPr latinLnBrk="1"/>
                       <a:r>
+                        <a:rPr lang="ko-KR" altLang="en-US" sz="1400" b="0" dirty="0" err="1">
+                          <a:solidFill>
+                            <a:schemeClr val="tx1"/>
+                          </a:solidFill>
+                        </a:rPr>
+                        <a:t>문파</a:t>
+                      </a:r>
+                      <a:r>
                         <a:rPr lang="ko-KR" altLang="en-US" sz="1400" b="0" dirty="0">
                           <a:solidFill>
                             <a:schemeClr val="tx1"/>
                           </a:solidFill>
                         </a:rPr>
-                        <a:t>우호도가 높을수록 해당 문파에게 다양한 지원을 받을 수 있다</a:t>
+                        <a:t> 우호도가 높을수록 해당 문파에게 다양한 지원을 받을 수 있다</a:t>
                       </a:r>
                       <a:r>
                         <a:rPr lang="en-US" altLang="ko-KR" sz="1400" b="0" dirty="0">
@@ -8867,12 +8871,20 @@
                     <a:p>
                       <a:pPr latinLnBrk="1"/>
                       <a:r>
+                        <a:rPr lang="ko-KR" altLang="en-US" sz="1400" b="0" dirty="0" err="1">
+                          <a:solidFill>
+                            <a:schemeClr val="tx1"/>
+                          </a:solidFill>
+                        </a:rPr>
+                        <a:t>문파</a:t>
+                      </a:r>
+                      <a:r>
                         <a:rPr lang="ko-KR" altLang="en-US" sz="1400" b="0" dirty="0">
                           <a:solidFill>
                             <a:schemeClr val="tx1"/>
                           </a:solidFill>
                         </a:rPr>
-                        <a:t>우호도 상승 방법</a:t>
+                        <a:t> 우호도 상승 방법</a:t>
                       </a:r>
                     </a:p>
                   </a:txBody>
@@ -9219,12 +9231,20 @@
                     <a:p>
                       <a:pPr latinLnBrk="1"/>
                       <a:r>
+                        <a:rPr lang="ko-KR" altLang="en-US" sz="1400" b="0" dirty="0" err="1">
+                          <a:solidFill>
+                            <a:schemeClr val="tx1"/>
+                          </a:solidFill>
+                        </a:rPr>
+                        <a:t>문파</a:t>
+                      </a:r>
+                      <a:r>
                         <a:rPr lang="ko-KR" altLang="en-US" sz="1400" b="0" dirty="0">
                           <a:solidFill>
                             <a:schemeClr val="tx1"/>
                           </a:solidFill>
                         </a:rPr>
-                        <a:t>우호도 규칙</a:t>
+                        <a:t> 우호도 규칙</a:t>
                       </a:r>
                     </a:p>
                   </a:txBody>
@@ -9280,12 +9300,20 @@
                     <a:p>
                       <a:pPr latinLnBrk="1"/>
                       <a:r>
+                        <a:rPr lang="ko-KR" altLang="en-US" sz="1400" b="0" dirty="0" err="1">
+                          <a:solidFill>
+                            <a:schemeClr val="tx1"/>
+                          </a:solidFill>
+                        </a:rPr>
+                        <a:t>문파</a:t>
+                      </a:r>
+                      <a:r>
                         <a:rPr lang="ko-KR" altLang="en-US" sz="1400" b="0" dirty="0">
                           <a:solidFill>
                             <a:schemeClr val="tx1"/>
                           </a:solidFill>
                         </a:rPr>
-                        <a:t>우호도의 기본 값은 </a:t>
+                        <a:t> 우호도의 기본 값은 </a:t>
                       </a:r>
                       <a:r>
                         <a:rPr lang="en-US" altLang="ko-KR" sz="1400" b="0" dirty="0">
@@ -9363,12 +9391,20 @@
                     <a:p>
                       <a:pPr latinLnBrk="1"/>
                       <a:r>
+                        <a:rPr lang="ko-KR" altLang="en-US" sz="1400" b="0" dirty="0" err="1">
+                          <a:solidFill>
+                            <a:schemeClr val="tx1"/>
+                          </a:solidFill>
+                        </a:rPr>
+                        <a:t>문파</a:t>
+                      </a:r>
+                      <a:r>
                         <a:rPr lang="ko-KR" altLang="en-US" sz="1400" b="0" dirty="0">
                           <a:solidFill>
                             <a:schemeClr val="tx1"/>
                           </a:solidFill>
                         </a:rPr>
-                        <a:t>우호도의 최대 값은 </a:t>
+                        <a:t> 우호도의 최대 값은 </a:t>
                       </a:r>
                       <a:r>
                         <a:rPr lang="en-US" altLang="ko-KR" sz="1400" b="0" dirty="0">
@@ -9459,7 +9495,23 @@
                             <a:schemeClr val="tx1"/>
                           </a:solidFill>
                         </a:rPr>
-                        <a:t>와 대화로 상승하는 우호도의 최대치는 </a:t>
+                        <a:t>와 대화로 상승하는 </a:t>
+                      </a:r>
+                      <a:r>
+                        <a:rPr lang="ko-KR" altLang="en-US" sz="1400" b="0" dirty="0" err="1">
+                          <a:solidFill>
+                            <a:schemeClr val="tx1"/>
+                          </a:solidFill>
+                        </a:rPr>
+                        <a:t>문파</a:t>
+                      </a:r>
+                      <a:r>
+                        <a:rPr lang="ko-KR" altLang="en-US" sz="1400" b="0" dirty="0">
+                          <a:solidFill>
+                            <a:schemeClr val="tx1"/>
+                          </a:solidFill>
+                        </a:rPr>
+                        <a:t> 우호도의 최대치는 </a:t>
                       </a:r>
                       <a:r>
                         <a:rPr lang="en-US" altLang="ko-KR" sz="1400" b="0" dirty="0">
@@ -9789,7 +9841,27 @@
                           <a:latin typeface="맑은 고딕" charset="0"/>
                           <a:ea typeface="맑은 고딕" charset="0"/>
                         </a:rPr>
-                        <a:t>플레이어 경계도가 있을 경우 우호도는 상승하지 않는다</a:t>
+                        <a:t>플레이어 경계도가 있을 경우 </a:t>
+                      </a:r>
+                      <a:r>
+                        <a:rPr lang="ko-KR" altLang="en-US" sz="1400" b="0" kern="1200" dirty="0" err="1">
+                          <a:solidFill>
+                            <a:schemeClr val="tx1"/>
+                          </a:solidFill>
+                          <a:latin typeface="맑은 고딕" charset="0"/>
+                          <a:ea typeface="맑은 고딕" charset="0"/>
+                        </a:rPr>
+                        <a:t>문파</a:t>
+                      </a:r>
+                      <a:r>
+                        <a:rPr lang="ko-KR" altLang="en-US" sz="1400" b="0" kern="1200" dirty="0">
+                          <a:solidFill>
+                            <a:schemeClr val="tx1"/>
+                          </a:solidFill>
+                          <a:latin typeface="맑은 고딕" charset="0"/>
+                          <a:ea typeface="맑은 고딕" charset="0"/>
+                        </a:rPr>
+                        <a:t> 우호도는 상승하지 않는다</a:t>
                       </a:r>
                       <a:r>
                         <a:rPr lang="en-US" altLang="ko-KR" sz="1400" b="0" kern="1200" dirty="0">

--- a/기획/방랑엽사전/문파 시스템 기획서.pptx
+++ b/기획/방랑엽사전/문파 시스템 기획서.pptx
@@ -7639,7 +7639,7 @@
               <a:p>
                 <a:pPr latinLnBrk="1"/>
                 <a:r>
-                  <a:rPr lang="ko-KR" altLang="en-US" sz="1400" b="0" dirty="0">
+                  <a:rPr lang="ko-KR" altLang="en-US" sz="1200" b="0" dirty="0">
                     <a:solidFill>
                       <a:schemeClr val="tx1"/>
                     </a:solidFill>
@@ -7647,7 +7647,7 @@
                   <a:t>퀘스트 완료</a:t>
                 </a:r>
                 <a:r>
-                  <a:rPr lang="en-US" altLang="ko-KR" sz="1400" b="0" dirty="0">
+                  <a:rPr lang="en-US" altLang="ko-KR" sz="1200" b="0" dirty="0">
                     <a:solidFill>
                       <a:schemeClr val="tx1"/>
                     </a:solidFill>
@@ -7658,7 +7658,7 @@
               <a:p>
                 <a:pPr latinLnBrk="1"/>
                 <a:r>
-                  <a:rPr lang="ko-KR" altLang="en-US" sz="1400" b="0" dirty="0">
+                  <a:rPr lang="ko-KR" altLang="en-US" sz="1200" b="0" dirty="0">
                     <a:solidFill>
                       <a:schemeClr val="tx1"/>
                     </a:solidFill>
@@ -7666,7 +7666,7 @@
                   <a:t>유물 회수</a:t>
                 </a:r>
                 <a:r>
-                  <a:rPr lang="en-US" altLang="ko-KR" sz="1400" b="0" dirty="0">
+                  <a:rPr lang="en-US" altLang="ko-KR" sz="1200" b="0" dirty="0">
                     <a:solidFill>
                       <a:schemeClr val="tx1"/>
                     </a:solidFill>
@@ -7674,15 +7674,23 @@
                   <a:t>, </a:t>
                 </a:r>
                 <a:r>
-                  <a:rPr lang="ko-KR" altLang="en-US" sz="1400" b="0" dirty="0">
+                  <a:rPr lang="ko-KR" altLang="en-US" sz="1200" b="0" dirty="0">
                     <a:solidFill>
                       <a:schemeClr val="tx1"/>
                     </a:solidFill>
                   </a:rPr>
-                  <a:t>대화로 </a:t>
+                  <a:t>대화로</a:t>
                 </a:r>
+                <a:endParaRPr lang="en-US" altLang="ko-KR" sz="1200" b="0" dirty="0">
+                  <a:solidFill>
+                    <a:schemeClr val="tx1"/>
+                  </a:solidFill>
+                </a:endParaRPr>
+              </a:p>
+              <a:p>
+                <a:pPr latinLnBrk="1"/>
                 <a:r>
-                  <a:rPr lang="ko-KR" altLang="en-US" sz="1400" b="0" dirty="0" err="1">
+                  <a:rPr lang="ko-KR" altLang="en-US" sz="1200" b="0" dirty="0" err="1">
                     <a:solidFill>
                       <a:schemeClr val="tx1"/>
                     </a:solidFill>
@@ -7690,7 +7698,7 @@
                   <a:t>문파</a:t>
                 </a:r>
                 <a:r>
-                  <a:rPr lang="ko-KR" altLang="en-US" sz="1400" b="0" dirty="0">
+                  <a:rPr lang="ko-KR" altLang="en-US" sz="1200" b="0" dirty="0">
                     <a:solidFill>
                       <a:schemeClr val="tx1"/>
                     </a:solidFill>
@@ -7894,14 +7902,14 @@
               <a:p>
                 <a:pPr latinLnBrk="1"/>
                 <a:r>
-                  <a:rPr lang="ko-KR" altLang="en-US" sz="1400" b="0" dirty="0">
+                  <a:rPr lang="ko-KR" altLang="en-US" sz="1200" b="0" dirty="0">
                     <a:solidFill>
                       <a:schemeClr val="tx1"/>
                     </a:solidFill>
                   </a:rPr>
                   <a:t>일정 이상의 </a:t>
                 </a:r>
-                <a:endParaRPr lang="en-US" altLang="ko-KR" sz="1400" b="0" dirty="0">
+                <a:endParaRPr lang="en-US" altLang="ko-KR" sz="1200" b="0" dirty="0">
                   <a:solidFill>
                     <a:schemeClr val="tx1"/>
                   </a:solidFill>
@@ -7910,7 +7918,7 @@
               <a:p>
                 <a:pPr latinLnBrk="1"/>
                 <a:r>
-                  <a:rPr lang="ko-KR" altLang="en-US" sz="1400" b="0" dirty="0" err="1">
+                  <a:rPr lang="ko-KR" altLang="en-US" sz="1200" b="0" dirty="0" err="1">
                     <a:solidFill>
                       <a:schemeClr val="tx1"/>
                     </a:solidFill>
@@ -7918,14 +7926,14 @@
                   <a:t>문파</a:t>
                 </a:r>
                 <a:r>
-                  <a:rPr lang="ko-KR" altLang="en-US" sz="1400" b="0" dirty="0">
+                  <a:rPr lang="ko-KR" altLang="en-US" sz="1200" b="0" dirty="0">
                     <a:solidFill>
                       <a:schemeClr val="tx1"/>
                     </a:solidFill>
                   </a:rPr>
                   <a:t> 우호도 보유 시 </a:t>
                 </a:r>
-                <a:endParaRPr lang="en-US" altLang="ko-KR" sz="1400" b="0" dirty="0">
+                <a:endParaRPr lang="en-US" altLang="ko-KR" sz="1200" b="0" dirty="0">
                   <a:solidFill>
                     <a:schemeClr val="tx1"/>
                   </a:solidFill>
@@ -7934,7 +7942,7 @@
               <a:p>
                 <a:pPr latinLnBrk="1"/>
                 <a:r>
-                  <a:rPr lang="ko-KR" altLang="en-US" sz="1400" b="0" dirty="0">
+                  <a:rPr lang="ko-KR" altLang="en-US" sz="1200" b="0" dirty="0">
                     <a:solidFill>
                       <a:schemeClr val="tx1"/>
                     </a:solidFill>
@@ -7942,28 +7950,31 @@
                   <a:t>해당 </a:t>
                 </a:r>
                 <a:r>
-                  <a:rPr lang="ko-KR" altLang="en-US" sz="1400" b="0" dirty="0" err="1">
+                  <a:rPr lang="ko-KR" altLang="en-US" sz="1200" b="0" dirty="0" err="1">
                     <a:solidFill>
                       <a:schemeClr val="tx1"/>
                     </a:solidFill>
                   </a:rPr>
                   <a:t>문파에</a:t>
                 </a:r>
-                <a:endParaRPr lang="en-US" altLang="ko-KR" sz="1400" b="0" dirty="0">
-                  <a:solidFill>
-                    <a:schemeClr val="tx1"/>
-                  </a:solidFill>
-                </a:endParaRPr>
+                <a:r>
+                  <a:rPr lang="en-US" altLang="ko-KR" sz="1200" dirty="0">
+                    <a:solidFill>
+                      <a:schemeClr val="tx1"/>
+                    </a:solidFill>
+                  </a:rPr>
+                  <a:t> </a:t>
+                </a:r>
               </a:p>
               <a:p>
                 <a:pPr latinLnBrk="1"/>
                 <a:r>
-                  <a:rPr lang="ko-KR" altLang="en-US" sz="1400" b="0" dirty="0">
+                  <a:rPr lang="ko-KR" altLang="en-US" sz="1200" b="0" dirty="0">
                     <a:solidFill>
                       <a:schemeClr val="tx1"/>
                     </a:solidFill>
                   </a:rPr>
-                  <a:t>가입가능</a:t>
+                  <a:t>가입 가능</a:t>
                 </a:r>
               </a:p>
             </p:txBody>
@@ -8100,7 +8111,7 @@
               <a:p>
                 <a:pPr latinLnBrk="1"/>
                 <a:r>
-                  <a:rPr lang="ko-KR" altLang="en-US" sz="1400" b="0" dirty="0" err="1">
+                  <a:rPr lang="ko-KR" altLang="en-US" sz="1200" b="0" dirty="0" err="1">
                     <a:solidFill>
                       <a:schemeClr val="tx1"/>
                     </a:solidFill>
@@ -8108,14 +8119,14 @@
                   <a:t>문파에</a:t>
                 </a:r>
                 <a:r>
-                  <a:rPr lang="ko-KR" altLang="en-US" sz="1400" b="0" dirty="0">
+                  <a:rPr lang="ko-KR" altLang="en-US" sz="1200" b="0" dirty="0">
                     <a:solidFill>
                       <a:schemeClr val="tx1"/>
                     </a:solidFill>
                   </a:rPr>
                   <a:t> 가입 후 </a:t>
                 </a:r>
-                <a:endParaRPr lang="en-US" altLang="ko-KR" sz="1400" b="0" dirty="0">
+                <a:endParaRPr lang="en-US" altLang="ko-KR" sz="1200" b="0" dirty="0">
                   <a:solidFill>
                     <a:schemeClr val="tx1"/>
                   </a:solidFill>
@@ -8124,14 +8135,14 @@
               <a:p>
                 <a:pPr latinLnBrk="1"/>
                 <a:r>
-                  <a:rPr lang="ko-KR" altLang="en-US" sz="1400" b="0" dirty="0">
+                  <a:rPr lang="ko-KR" altLang="en-US" sz="1200" b="0" dirty="0">
                     <a:solidFill>
                       <a:schemeClr val="tx1"/>
                     </a:solidFill>
                   </a:rPr>
                   <a:t>퀘스트 완료 시</a:t>
                 </a:r>
-                <a:endParaRPr lang="en-US" altLang="ko-KR" sz="1400" b="0" dirty="0">
+                <a:endParaRPr lang="en-US" altLang="ko-KR" sz="1200" b="0" dirty="0">
                   <a:solidFill>
                     <a:schemeClr val="tx1"/>
                   </a:solidFill>
@@ -8140,7 +8151,7 @@
               <a:p>
                 <a:pPr latinLnBrk="1"/>
                 <a:r>
-                  <a:rPr lang="ko-KR" altLang="en-US" sz="1400" b="0" dirty="0">
+                  <a:rPr lang="ko-KR" altLang="en-US" sz="1200" b="0" dirty="0">
                     <a:solidFill>
                       <a:schemeClr val="tx1"/>
                     </a:solidFill>
@@ -8282,14 +8293,14 @@
               <a:p>
                 <a:pPr latinLnBrk="1"/>
                 <a:r>
-                  <a:rPr lang="ko-KR" altLang="en-US" sz="1400" b="0" dirty="0">
+                  <a:rPr lang="ko-KR" altLang="en-US" sz="1200" b="0" dirty="0">
                     <a:solidFill>
                       <a:schemeClr val="tx1"/>
                     </a:solidFill>
                   </a:rPr>
                   <a:t>일정 이상의 </a:t>
                 </a:r>
-                <a:endParaRPr lang="en-US" altLang="ko-KR" sz="1400" b="0" dirty="0">
+                <a:endParaRPr lang="en-US" altLang="ko-KR" sz="1200" b="0" dirty="0">
                   <a:solidFill>
                     <a:schemeClr val="tx1"/>
                   </a:solidFill>
@@ -8298,14 +8309,14 @@
               <a:p>
                 <a:pPr latinLnBrk="1"/>
                 <a:r>
-                  <a:rPr lang="ko-KR" altLang="en-US" sz="1400" b="0" dirty="0">
+                  <a:rPr lang="ko-KR" altLang="en-US" sz="1200" b="0" dirty="0">
                     <a:solidFill>
                       <a:schemeClr val="tx1"/>
                     </a:solidFill>
                   </a:rPr>
                   <a:t>공헌도 획득 시 </a:t>
                 </a:r>
-                <a:endParaRPr lang="en-US" altLang="ko-KR" sz="1400" b="0" dirty="0">
+                <a:endParaRPr lang="en-US" altLang="ko-KR" sz="1200" b="0" dirty="0">
                   <a:solidFill>
                     <a:schemeClr val="tx1"/>
                   </a:solidFill>
@@ -8314,7 +8325,7 @@
               <a:p>
                 <a:pPr latinLnBrk="1"/>
                 <a:r>
-                  <a:rPr lang="ko-KR" altLang="en-US" sz="1400" b="0" dirty="0">
+                  <a:rPr lang="ko-KR" altLang="en-US" sz="1200" b="0" dirty="0">
                     <a:solidFill>
                       <a:schemeClr val="tx1"/>
                     </a:solidFill>
@@ -8596,14 +8607,14 @@
           <p:nvPr>
             <p:extLst>
               <p:ext uri="{D42A27DB-BD31-4B8C-83A1-F6EECF244321}">
-                <p14:modId xmlns:p14="http://schemas.microsoft.com/office/powerpoint/2010/main" val="330518184"/>
+                <p14:modId xmlns:p14="http://schemas.microsoft.com/office/powerpoint/2010/main" val="748461644"/>
               </p:ext>
             </p:extLst>
           </p:nvPr>
         </p:nvGraphicFramePr>
         <p:xfrm>
-          <a:off x="5514658" y="1530033"/>
-          <a:ext cx="5224780" cy="4084320"/>
+          <a:off x="5097145" y="1530033"/>
+          <a:ext cx="5642293" cy="3870960"/>
         </p:xfrm>
         <a:graphic>
           <a:graphicData uri="http://schemas.openxmlformats.org/drawingml/2006/table">
@@ -8612,7 +8623,7 @@
                 <a:tableStyleId>{5C22544A-7EE6-4342-B048-85BDC9FD1C3A}</a:tableStyleId>
               </a:tblPr>
               <a:tblGrid>
-                <a:gridCol w="5224780">
+                <a:gridCol w="5642293">
                   <a:extLst>
                     <a:ext uri="{9D8B030D-6E8A-4147-A177-3AD203B41FA5}">
                       <a16:colId xmlns:a16="http://schemas.microsoft.com/office/drawing/2014/main" val="1735243920"/>
@@ -8719,7 +8730,7 @@
                             <a:schemeClr val="tx1"/>
                           </a:solidFill>
                         </a:rPr>
-                        <a:t>문파이</a:t>
+                        <a:t>문파가</a:t>
                       </a:r>
                       <a:r>
                         <a:rPr lang="ko-KR" altLang="en-US" sz="1400" b="0" dirty="0">

--- a/기획/방랑엽사전/문파 시스템 기획서.pptx
+++ b/기획/방랑엽사전/문파 시스템 기획서.pptx
@@ -5,7 +5,7 @@
     <p:sldMasterId id="2147483715" r:id="rId1"/>
   </p:sldMasterIdLst>
   <p:notesMasterIdLst>
-    <p:notesMasterId r:id="rId11"/>
+    <p:notesMasterId r:id="rId12"/>
   </p:notesMasterIdLst>
   <p:sldIdLst>
     <p:sldId id="258" r:id="rId2"/>
@@ -17,6 +17,7 @@
     <p:sldId id="283" r:id="rId8"/>
     <p:sldId id="279" r:id="rId9"/>
     <p:sldId id="282" r:id="rId10"/>
+    <p:sldId id="284" r:id="rId11"/>
   </p:sldIdLst>
   <p:sldSz cx="12192000" cy="6858000"/>
   <p:notesSz cx="6858000" cy="9144000"/>
@@ -241,7 +242,7 @@
           <a:p>
             <a:fld id="{C8649E71-8129-4905-BAC0-51D65A0C1379}" type="datetimeFigureOut">
               <a:rPr lang="ko-KR" altLang="en-US" smtClean="0"/>
-              <a:t>2024-01-29</a:t>
+              <a:t>2024-01-31</a:t>
             </a:fld>
             <a:endParaRPr lang="ko-KR" altLang="en-US"/>
           </a:p>
@@ -739,7 +740,7 @@
           <a:p>
             <a:fld id="{523D6941-6B33-4834-BC65-A333846D27E6}" type="datetimeFigureOut">
               <a:rPr lang="ko-KR" altLang="en-US" smtClean="0"/>
-              <a:t>2024-01-29</a:t>
+              <a:t>2024-01-31</a:t>
             </a:fld>
             <a:endParaRPr lang="ko-KR" altLang="en-US"/>
           </a:p>
@@ -937,7 +938,7 @@
           <a:p>
             <a:fld id="{523D6941-6B33-4834-BC65-A333846D27E6}" type="datetimeFigureOut">
               <a:rPr lang="ko-KR" altLang="en-US" smtClean="0"/>
-              <a:t>2024-01-29</a:t>
+              <a:t>2024-01-31</a:t>
             </a:fld>
             <a:endParaRPr lang="ko-KR" altLang="en-US"/>
           </a:p>
@@ -1145,7 +1146,7 @@
           <a:p>
             <a:fld id="{523D6941-6B33-4834-BC65-A333846D27E6}" type="datetimeFigureOut">
               <a:rPr lang="ko-KR" altLang="en-US" smtClean="0"/>
-              <a:t>2024-01-29</a:t>
+              <a:t>2024-01-31</a:t>
             </a:fld>
             <a:endParaRPr lang="ko-KR" altLang="en-US"/>
           </a:p>
@@ -1358,7 +1359,7 @@
           <a:p>
             <a:fld id="{523D6941-6B33-4834-BC65-A333846D27E6}" type="datetimeFigureOut">
               <a:rPr lang="ko-KR" altLang="en-US" smtClean="0"/>
-              <a:t>2024-01-29</a:t>
+              <a:t>2024-01-31</a:t>
             </a:fld>
             <a:endParaRPr lang="ko-KR" altLang="en-US"/>
           </a:p>
@@ -1643,7 +1644,7 @@
           <a:p>
             <a:fld id="{523D6941-6B33-4834-BC65-A333846D27E6}" type="datetimeFigureOut">
               <a:rPr lang="ko-KR" altLang="en-US" smtClean="0"/>
-              <a:t>2024-01-29</a:t>
+              <a:t>2024-01-31</a:t>
             </a:fld>
             <a:endParaRPr lang="ko-KR" altLang="en-US"/>
           </a:p>
@@ -1908,7 +1909,7 @@
           <a:p>
             <a:fld id="{523D6941-6B33-4834-BC65-A333846D27E6}" type="datetimeFigureOut">
               <a:rPr lang="ko-KR" altLang="en-US" smtClean="0"/>
-              <a:t>2024-01-29</a:t>
+              <a:t>2024-01-31</a:t>
             </a:fld>
             <a:endParaRPr lang="ko-KR" altLang="en-US"/>
           </a:p>
@@ -2320,7 +2321,7 @@
           <a:p>
             <a:fld id="{523D6941-6B33-4834-BC65-A333846D27E6}" type="datetimeFigureOut">
               <a:rPr lang="ko-KR" altLang="en-US" smtClean="0"/>
-              <a:t>2024-01-29</a:t>
+              <a:t>2024-01-31</a:t>
             </a:fld>
             <a:endParaRPr lang="ko-KR" altLang="en-US"/>
           </a:p>
@@ -2461,7 +2462,7 @@
           <a:p>
             <a:fld id="{523D6941-6B33-4834-BC65-A333846D27E6}" type="datetimeFigureOut">
               <a:rPr lang="ko-KR" altLang="en-US" smtClean="0"/>
-              <a:t>2024-01-29</a:t>
+              <a:t>2024-01-31</a:t>
             </a:fld>
             <a:endParaRPr lang="ko-KR" altLang="en-US"/>
           </a:p>
@@ -2574,7 +2575,7 @@
           <a:p>
             <a:fld id="{523D6941-6B33-4834-BC65-A333846D27E6}" type="datetimeFigureOut">
               <a:rPr lang="ko-KR" altLang="en-US" smtClean="0"/>
-              <a:t>2024-01-29</a:t>
+              <a:t>2024-01-31</a:t>
             </a:fld>
             <a:endParaRPr lang="ko-KR" altLang="en-US"/>
           </a:p>
@@ -2885,7 +2886,7 @@
           <a:p>
             <a:fld id="{523D6941-6B33-4834-BC65-A333846D27E6}" type="datetimeFigureOut">
               <a:rPr lang="ko-KR" altLang="en-US" smtClean="0"/>
-              <a:t>2024-01-29</a:t>
+              <a:t>2024-01-31</a:t>
             </a:fld>
             <a:endParaRPr lang="ko-KR" altLang="en-US"/>
           </a:p>
@@ -3173,7 +3174,7 @@
           <a:p>
             <a:fld id="{523D6941-6B33-4834-BC65-A333846D27E6}" type="datetimeFigureOut">
               <a:rPr lang="ko-KR" altLang="en-US" smtClean="0"/>
-              <a:t>2024-01-29</a:t>
+              <a:t>2024-01-31</a:t>
             </a:fld>
             <a:endParaRPr lang="ko-KR" altLang="en-US"/>
           </a:p>
@@ -3414,7 +3415,7 @@
           <a:p>
             <a:fld id="{523D6941-6B33-4834-BC65-A333846D27E6}" type="datetimeFigureOut">
               <a:rPr lang="ko-KR" altLang="en-US" smtClean="0"/>
-              <a:t>2024-01-29</a:t>
+              <a:t>2024-01-31</a:t>
             </a:fld>
             <a:endParaRPr lang="ko-KR" altLang="en-US"/>
           </a:p>
@@ -3911,6 +3912,1994 @@
     <p:extLst>
       <p:ext uri="{BB962C8B-B14F-4D97-AF65-F5344CB8AC3E}">
         <p14:creationId xmlns:p14="http://schemas.microsoft.com/office/powerpoint/2010/main" val="922031682"/>
+      </p:ext>
+    </p:extLst>
+  </p:cSld>
+  <p:clrMapOvr>
+    <a:masterClrMapping/>
+  </p:clrMapOvr>
+</p:sld>
+</file>
+
+<file path=ppt/slides/slide10.xml><?xml version="1.0" encoding="utf-8"?>
+<p:sld xmlns:a="http://schemas.openxmlformats.org/drawingml/2006/main" xmlns:r="http://schemas.openxmlformats.org/officeDocument/2006/relationships" xmlns:p="http://schemas.openxmlformats.org/presentationml/2006/main">
+  <p:cSld>
+    <p:spTree>
+      <p:nvGrpSpPr>
+        <p:cNvPr id="1" name=""/>
+        <p:cNvGrpSpPr/>
+        <p:nvPr/>
+      </p:nvGrpSpPr>
+      <p:grpSpPr>
+        <a:xfrm>
+          <a:off x="0" y="0"/>
+          <a:ext cx="0" cy="0"/>
+          <a:chOff x="0" y="0"/>
+          <a:chExt cx="0" cy="0"/>
+        </a:xfrm>
+      </p:grpSpPr>
+      <p:sp>
+        <p:nvSpPr>
+          <p:cNvPr id="7" name="제목 1">
+            <a:extLst>
+              <a:ext uri="{FF2B5EF4-FFF2-40B4-BE49-F238E27FC236}">
+                <a16:creationId xmlns:a16="http://schemas.microsoft.com/office/drawing/2014/main" id="{77FA9A8E-E94C-4F99-8997-7C96A1AAEAC7}"/>
+              </a:ext>
+            </a:extLst>
+          </p:cNvPr>
+          <p:cNvSpPr txBox="1">
+            <a:spLocks/>
+          </p:cNvSpPr>
+          <p:nvPr/>
+        </p:nvSpPr>
+        <p:spPr>
+          <a:xfrm>
+            <a:off x="695325" y="292100"/>
+            <a:ext cx="10801350" cy="861695"/>
+          </a:xfrm>
+          <a:prstGeom prst="rect">
+            <a:avLst/>
+          </a:prstGeom>
+        </p:spPr>
+        <p:txBody>
+          <a:bodyPr vert="horz" lIns="91440" tIns="45720" rIns="91440" bIns="45720" rtlCol="0" anchor="ctr">
+            <a:normAutofit/>
+          </a:bodyPr>
+          <a:lstStyle>
+            <a:lvl1pPr algn="l" defTabSz="914400" rtl="0" eaLnBrk="1" latinLnBrk="1" hangingPunct="1">
+              <a:lnSpc>
+                <a:spcPct val="90000"/>
+              </a:lnSpc>
+              <a:spcBef>
+                <a:spcPct val="0"/>
+              </a:spcBef>
+              <a:buNone/>
+              <a:defRPr sz="4400" kern="1200">
+                <a:solidFill>
+                  <a:schemeClr val="tx1"/>
+                </a:solidFill>
+                <a:latin typeface="+mj-lt"/>
+                <a:ea typeface="+mj-ea"/>
+                <a:cs typeface="+mj-cs"/>
+              </a:defRPr>
+            </a:lvl1pPr>
+          </a:lstStyle>
+          <a:p>
+            <a:r>
+              <a:rPr lang="ko-KR" altLang="en-US" dirty="0" err="1"/>
+              <a:t>문파</a:t>
+            </a:r>
+            <a:r>
+              <a:rPr lang="ko-KR" altLang="en-US" dirty="0"/>
+              <a:t> 특수 시설</a:t>
+            </a:r>
+          </a:p>
+        </p:txBody>
+      </p:sp>
+      <p:graphicFrame>
+        <p:nvGraphicFramePr>
+          <p:cNvPr id="5" name="표 2">
+            <a:extLst>
+              <a:ext uri="{FF2B5EF4-FFF2-40B4-BE49-F238E27FC236}">
+                <a16:creationId xmlns:a16="http://schemas.microsoft.com/office/drawing/2014/main" id="{20B1BAA4-051B-4534-BC04-42C63CC0756A}"/>
+              </a:ext>
+            </a:extLst>
+          </p:cNvPr>
+          <p:cNvGraphicFramePr>
+            <a:graphicFrameLocks noGrp="1"/>
+          </p:cNvGraphicFramePr>
+          <p:nvPr/>
+        </p:nvGraphicFramePr>
+        <p:xfrm>
+          <a:off x="3626326" y="3553851"/>
+          <a:ext cx="4939348" cy="3154680"/>
+        </p:xfrm>
+        <a:graphic>
+          <a:graphicData uri="http://schemas.openxmlformats.org/drawingml/2006/table">
+            <a:tbl>
+              <a:tblPr firstRow="1" bandRow="1">
+                <a:tableStyleId>{5C22544A-7EE6-4342-B048-85BDC9FD1C3A}</a:tableStyleId>
+              </a:tblPr>
+              <a:tblGrid>
+                <a:gridCol w="979805">
+                  <a:extLst>
+                    <a:ext uri="{9D8B030D-6E8A-4147-A177-3AD203B41FA5}">
+                      <a16:colId xmlns:a16="http://schemas.microsoft.com/office/drawing/2014/main" val="2422316135"/>
+                    </a:ext>
+                  </a:extLst>
+                </a:gridCol>
+                <a:gridCol w="3959543">
+                  <a:extLst>
+                    <a:ext uri="{9D8B030D-6E8A-4147-A177-3AD203B41FA5}">
+                      <a16:colId xmlns:a16="http://schemas.microsoft.com/office/drawing/2014/main" val="4048146800"/>
+                    </a:ext>
+                  </a:extLst>
+                </a:gridCol>
+              </a:tblGrid>
+              <a:tr h="0">
+                <a:tc gridSpan="2">
+                  <a:txBody>
+                    <a:bodyPr/>
+                    <a:lstStyle/>
+                    <a:p>
+                      <a:pPr algn="l" latinLnBrk="1"/>
+                      <a:r>
+                        <a:rPr lang="ko-KR" altLang="en-US" sz="1100" b="0" dirty="0">
+                          <a:solidFill>
+                            <a:schemeClr val="tx1"/>
+                          </a:solidFill>
+                        </a:rPr>
+                        <a:t>특수 시설</a:t>
+                      </a:r>
+                    </a:p>
+                  </a:txBody>
+                  <a:tcPr>
+                    <a:lnL w="12700" cmpd="sng">
+                      <a:noFill/>
+                    </a:lnL>
+                    <a:lnR w="12700" cmpd="sng">
+                      <a:noFill/>
+                    </a:lnR>
+                    <a:lnT w="12700" cmpd="sng">
+                      <a:noFill/>
+                    </a:lnT>
+                    <a:lnB w="12700" cap="flat" cmpd="sng" algn="ctr">
+                      <a:solidFill>
+                        <a:schemeClr val="tx1"/>
+                      </a:solidFill>
+                      <a:prstDash val="solid"/>
+                      <a:round/>
+                      <a:headEnd type="none" w="med" len="med"/>
+                      <a:tailEnd type="none" w="med" len="med"/>
+                    </a:lnB>
+                    <a:lnTlToBr w="12700" cmpd="sng">
+                      <a:noFill/>
+                      <a:prstDash val="solid"/>
+                    </a:lnTlToBr>
+                    <a:lnBlToTr w="12700" cmpd="sng">
+                      <a:noFill/>
+                      <a:prstDash val="solid"/>
+                    </a:lnBlToTr>
+                    <a:solidFill>
+                      <a:schemeClr val="bg1">
+                        <a:lumMod val="95000"/>
+                      </a:schemeClr>
+                    </a:solidFill>
+                  </a:tcPr>
+                </a:tc>
+                <a:tc hMerge="1">
+                  <a:txBody>
+                    <a:bodyPr/>
+                    <a:lstStyle/>
+                    <a:p>
+                      <a:pPr latinLnBrk="1"/>
+                      <a:endParaRPr lang="ko-KR" altLang="en-US"/>
+                    </a:p>
+                  </a:txBody>
+                  <a:tcPr/>
+                </a:tc>
+                <a:extLst>
+                  <a:ext uri="{0D108BD9-81ED-4DB2-BD59-A6C34878D82A}">
+                    <a16:rowId xmlns:a16="http://schemas.microsoft.com/office/drawing/2014/main" val="3064705254"/>
+                  </a:ext>
+                </a:extLst>
+              </a:tr>
+              <a:tr h="0">
+                <a:tc>
+                  <a:txBody>
+                    <a:bodyPr/>
+                    <a:lstStyle/>
+                    <a:p>
+                      <a:pPr algn="l" latinLnBrk="1"/>
+                      <a:r>
+                        <a:rPr lang="ko-KR" altLang="en-US" sz="1100" b="0" dirty="0">
+                          <a:solidFill>
+                            <a:schemeClr val="tx1"/>
+                          </a:solidFill>
+                        </a:rPr>
+                        <a:t>서고</a:t>
+                      </a:r>
+                    </a:p>
+                  </a:txBody>
+                  <a:tcPr anchor="ctr">
+                    <a:lnL w="12700" cmpd="sng">
+                      <a:noFill/>
+                    </a:lnL>
+                    <a:lnR w="12700" cap="flat" cmpd="sng" algn="ctr">
+                      <a:solidFill>
+                        <a:schemeClr val="tx1"/>
+                      </a:solidFill>
+                      <a:prstDash val="solid"/>
+                      <a:round/>
+                      <a:headEnd type="none" w="med" len="med"/>
+                      <a:tailEnd type="none" w="med" len="med"/>
+                    </a:lnR>
+                    <a:lnT w="12700" cap="flat" cmpd="sng" algn="ctr">
+                      <a:solidFill>
+                        <a:schemeClr val="tx1"/>
+                      </a:solidFill>
+                      <a:prstDash val="solid"/>
+                      <a:round/>
+                      <a:headEnd type="none" w="med" len="med"/>
+                      <a:tailEnd type="none" w="med" len="med"/>
+                    </a:lnT>
+                    <a:lnB w="12700" cap="flat" cmpd="sng" algn="ctr">
+                      <a:solidFill>
+                        <a:schemeClr val="tx1"/>
+                      </a:solidFill>
+                      <a:prstDash val="solid"/>
+                      <a:round/>
+                      <a:headEnd type="none" w="med" len="med"/>
+                      <a:tailEnd type="none" w="med" len="med"/>
+                    </a:lnB>
+                    <a:lnTlToBr w="12700" cmpd="sng">
+                      <a:noFill/>
+                      <a:prstDash val="solid"/>
+                    </a:lnTlToBr>
+                    <a:lnBlToTr w="12700" cmpd="sng">
+                      <a:noFill/>
+                      <a:prstDash val="solid"/>
+                    </a:lnBlToTr>
+                    <a:noFill/>
+                  </a:tcPr>
+                </a:tc>
+                <a:tc>
+                  <a:txBody>
+                    <a:bodyPr/>
+                    <a:lstStyle/>
+                    <a:p>
+                      <a:pPr algn="l" latinLnBrk="1"/>
+                      <a:r>
+                        <a:rPr lang="ko-KR" altLang="en-US" sz="1100" b="0" dirty="0">
+                          <a:solidFill>
+                            <a:schemeClr val="tx1"/>
+                          </a:solidFill>
+                        </a:rPr>
+                        <a:t>해당 </a:t>
+                      </a:r>
+                      <a:r>
+                        <a:rPr lang="ko-KR" altLang="en-US" sz="1100" b="0" dirty="0" err="1">
+                          <a:solidFill>
+                            <a:schemeClr val="tx1"/>
+                          </a:solidFill>
+                        </a:rPr>
+                        <a:t>문파의</a:t>
+                      </a:r>
+                      <a:r>
+                        <a:rPr lang="ko-KR" altLang="en-US" sz="1100" b="0" dirty="0">
+                          <a:solidFill>
+                            <a:schemeClr val="tx1"/>
+                          </a:solidFill>
+                        </a:rPr>
+                        <a:t> 무공들이 적혀 있는 비서들이 보관된 장소</a:t>
+                      </a:r>
+                      <a:endParaRPr lang="en-US" altLang="ko-KR" sz="1100" b="0" dirty="0">
+                        <a:solidFill>
+                          <a:schemeClr val="tx1"/>
+                        </a:solidFill>
+                      </a:endParaRPr>
+                    </a:p>
+                    <a:p>
+                      <a:pPr algn="l" latinLnBrk="1"/>
+                      <a:r>
+                        <a:rPr lang="ko-KR" altLang="en-US" sz="1100" b="0" dirty="0">
+                          <a:solidFill>
+                            <a:schemeClr val="tx1"/>
+                          </a:solidFill>
+                        </a:rPr>
+                        <a:t>공헌도를 소비하여 비서들을 대여하여 무공을 배울 수 있다</a:t>
+                      </a:r>
+                      <a:r>
+                        <a:rPr lang="en-US" altLang="ko-KR" sz="1100" b="0" dirty="0">
+                          <a:solidFill>
+                            <a:schemeClr val="tx1"/>
+                          </a:solidFill>
+                        </a:rPr>
+                        <a:t>.</a:t>
+                      </a:r>
+                      <a:endParaRPr lang="ko-KR" altLang="en-US" sz="1100" b="0" dirty="0">
+                        <a:solidFill>
+                          <a:schemeClr val="tx1"/>
+                        </a:solidFill>
+                      </a:endParaRPr>
+                    </a:p>
+                  </a:txBody>
+                  <a:tcPr anchor="ctr">
+                    <a:lnL w="12700" cap="flat" cmpd="sng" algn="ctr">
+                      <a:solidFill>
+                        <a:schemeClr val="tx1"/>
+                      </a:solidFill>
+                      <a:prstDash val="solid"/>
+                      <a:round/>
+                      <a:headEnd type="none" w="med" len="med"/>
+                      <a:tailEnd type="none" w="med" len="med"/>
+                    </a:lnL>
+                    <a:lnR w="12700" cmpd="sng">
+                      <a:noFill/>
+                    </a:lnR>
+                    <a:lnT w="12700" cap="flat" cmpd="sng" algn="ctr">
+                      <a:solidFill>
+                        <a:schemeClr val="tx1"/>
+                      </a:solidFill>
+                      <a:prstDash val="solid"/>
+                      <a:round/>
+                      <a:headEnd type="none" w="med" len="med"/>
+                      <a:tailEnd type="none" w="med" len="med"/>
+                    </a:lnT>
+                    <a:lnB w="12700" cap="flat" cmpd="sng" algn="ctr">
+                      <a:solidFill>
+                        <a:schemeClr val="tx1"/>
+                      </a:solidFill>
+                      <a:prstDash val="solid"/>
+                      <a:round/>
+                      <a:headEnd type="none" w="med" len="med"/>
+                      <a:tailEnd type="none" w="med" len="med"/>
+                    </a:lnB>
+                    <a:lnTlToBr w="12700" cmpd="sng">
+                      <a:noFill/>
+                      <a:prstDash val="solid"/>
+                    </a:lnTlToBr>
+                    <a:lnBlToTr w="12700" cmpd="sng">
+                      <a:noFill/>
+                      <a:prstDash val="solid"/>
+                    </a:lnBlToTr>
+                    <a:noFill/>
+                  </a:tcPr>
+                </a:tc>
+                <a:extLst>
+                  <a:ext uri="{0D108BD9-81ED-4DB2-BD59-A6C34878D82A}">
+                    <a16:rowId xmlns:a16="http://schemas.microsoft.com/office/drawing/2014/main" val="3391025423"/>
+                  </a:ext>
+                </a:extLst>
+              </a:tr>
+              <a:tr h="194310">
+                <a:tc>
+                  <a:txBody>
+                    <a:bodyPr/>
+                    <a:lstStyle/>
+                    <a:p>
+                      <a:pPr algn="l" latinLnBrk="1"/>
+                      <a:r>
+                        <a:rPr lang="ko-KR" altLang="en-US" sz="1100" b="0" dirty="0">
+                          <a:solidFill>
+                            <a:schemeClr val="tx1"/>
+                          </a:solidFill>
+                        </a:rPr>
+                        <a:t>영약 </a:t>
+                      </a:r>
+                      <a:r>
+                        <a:rPr lang="ko-KR" altLang="en-US" sz="1100" b="0" dirty="0" err="1">
+                          <a:solidFill>
+                            <a:schemeClr val="tx1"/>
+                          </a:solidFill>
+                        </a:rPr>
+                        <a:t>제조실</a:t>
+                      </a:r>
+                      <a:endParaRPr lang="ko-KR" altLang="en-US" sz="1100" b="0" dirty="0">
+                        <a:solidFill>
+                          <a:schemeClr val="tx1"/>
+                        </a:solidFill>
+                      </a:endParaRPr>
+                    </a:p>
+                  </a:txBody>
+                  <a:tcPr anchor="ctr">
+                    <a:lnL w="12700" cmpd="sng">
+                      <a:noFill/>
+                    </a:lnL>
+                    <a:lnR w="12700" cap="flat" cmpd="sng" algn="ctr">
+                      <a:solidFill>
+                        <a:schemeClr val="tx1"/>
+                      </a:solidFill>
+                      <a:prstDash val="solid"/>
+                      <a:round/>
+                      <a:headEnd type="none" w="med" len="med"/>
+                      <a:tailEnd type="none" w="med" len="med"/>
+                    </a:lnR>
+                    <a:lnT w="12700" cap="flat" cmpd="sng" algn="ctr">
+                      <a:solidFill>
+                        <a:schemeClr val="tx1"/>
+                      </a:solidFill>
+                      <a:prstDash val="solid"/>
+                      <a:round/>
+                      <a:headEnd type="none" w="med" len="med"/>
+                      <a:tailEnd type="none" w="med" len="med"/>
+                    </a:lnT>
+                    <a:lnB w="12700" cap="flat" cmpd="sng" algn="ctr">
+                      <a:solidFill>
+                        <a:schemeClr val="tx1"/>
+                      </a:solidFill>
+                      <a:prstDash val="solid"/>
+                      <a:round/>
+                      <a:headEnd type="none" w="med" len="med"/>
+                      <a:tailEnd type="none" w="med" len="med"/>
+                    </a:lnB>
+                    <a:lnTlToBr w="12700" cmpd="sng">
+                      <a:noFill/>
+                      <a:prstDash val="solid"/>
+                    </a:lnTlToBr>
+                    <a:lnBlToTr w="12700" cmpd="sng">
+                      <a:noFill/>
+                      <a:prstDash val="solid"/>
+                    </a:lnBlToTr>
+                    <a:noFill/>
+                  </a:tcPr>
+                </a:tc>
+                <a:tc>
+                  <a:txBody>
+                    <a:bodyPr/>
+                    <a:lstStyle/>
+                    <a:p>
+                      <a:pPr algn="l" latinLnBrk="1"/>
+                      <a:r>
+                        <a:rPr lang="ko-KR" altLang="en-US" sz="1100" b="0" dirty="0">
+                          <a:solidFill>
+                            <a:schemeClr val="tx1"/>
+                          </a:solidFill>
+                        </a:rPr>
+                        <a:t>해당 </a:t>
+                      </a:r>
+                      <a:r>
+                        <a:rPr lang="ko-KR" altLang="en-US" sz="1100" b="0" dirty="0" err="1">
+                          <a:solidFill>
+                            <a:schemeClr val="tx1"/>
+                          </a:solidFill>
+                        </a:rPr>
+                        <a:t>문파의</a:t>
+                      </a:r>
+                      <a:r>
+                        <a:rPr lang="ko-KR" altLang="en-US" sz="1100" b="0" dirty="0">
+                          <a:solidFill>
+                            <a:schemeClr val="tx1"/>
+                          </a:solidFill>
+                        </a:rPr>
+                        <a:t> 영약들을 만드는 </a:t>
+                      </a:r>
+                      <a:r>
+                        <a:rPr lang="ko-KR" altLang="en-US" sz="1100" b="0" dirty="0" err="1">
+                          <a:solidFill>
+                            <a:schemeClr val="tx1"/>
+                          </a:solidFill>
+                        </a:rPr>
+                        <a:t>제조실</a:t>
+                      </a:r>
+                      <a:endParaRPr lang="en-US" altLang="ko-KR" sz="1100" b="0" dirty="0">
+                        <a:solidFill>
+                          <a:schemeClr val="tx1"/>
+                        </a:solidFill>
+                      </a:endParaRPr>
+                    </a:p>
+                    <a:p>
+                      <a:pPr algn="l" latinLnBrk="1"/>
+                      <a:r>
+                        <a:rPr lang="ko-KR" altLang="en-US" sz="1100" b="0" dirty="0">
+                          <a:solidFill>
+                            <a:schemeClr val="tx1"/>
+                          </a:solidFill>
+                        </a:rPr>
+                        <a:t>공헌도나 골드를 소비하여 영약을 구매하거나 </a:t>
+                      </a:r>
+                      <a:endParaRPr lang="en-US" altLang="ko-KR" sz="1100" b="0" dirty="0">
+                        <a:solidFill>
+                          <a:schemeClr val="tx1"/>
+                        </a:solidFill>
+                      </a:endParaRPr>
+                    </a:p>
+                    <a:p>
+                      <a:pPr algn="l" latinLnBrk="1"/>
+                      <a:r>
+                        <a:rPr lang="ko-KR" altLang="en-US" sz="1100" b="0" dirty="0">
+                          <a:solidFill>
+                            <a:schemeClr val="tx1"/>
+                          </a:solidFill>
+                        </a:rPr>
+                        <a:t>정해진 재료들을 조합하여 영약을 만들 수 있다</a:t>
+                      </a:r>
+                      <a:r>
+                        <a:rPr lang="en-US" altLang="ko-KR" sz="1100" b="0" dirty="0">
+                          <a:solidFill>
+                            <a:schemeClr val="tx1"/>
+                          </a:solidFill>
+                        </a:rPr>
+                        <a:t>.</a:t>
+                      </a:r>
+                      <a:endParaRPr lang="ko-KR" altLang="en-US" sz="1100" b="0" dirty="0">
+                        <a:solidFill>
+                          <a:schemeClr val="tx1"/>
+                        </a:solidFill>
+                      </a:endParaRPr>
+                    </a:p>
+                  </a:txBody>
+                  <a:tcPr anchor="ctr">
+                    <a:lnL w="12700" cap="flat" cmpd="sng" algn="ctr">
+                      <a:solidFill>
+                        <a:schemeClr val="tx1"/>
+                      </a:solidFill>
+                      <a:prstDash val="solid"/>
+                      <a:round/>
+                      <a:headEnd type="none" w="med" len="med"/>
+                      <a:tailEnd type="none" w="med" len="med"/>
+                    </a:lnL>
+                    <a:lnR w="12700" cmpd="sng">
+                      <a:noFill/>
+                    </a:lnR>
+                    <a:lnT w="12700" cap="flat" cmpd="sng" algn="ctr">
+                      <a:solidFill>
+                        <a:schemeClr val="tx1"/>
+                      </a:solidFill>
+                      <a:prstDash val="solid"/>
+                      <a:round/>
+                      <a:headEnd type="none" w="med" len="med"/>
+                      <a:tailEnd type="none" w="med" len="med"/>
+                    </a:lnT>
+                    <a:lnB w="12700" cap="flat" cmpd="sng" algn="ctr">
+                      <a:solidFill>
+                        <a:schemeClr val="tx1"/>
+                      </a:solidFill>
+                      <a:prstDash val="solid"/>
+                      <a:round/>
+                      <a:headEnd type="none" w="med" len="med"/>
+                      <a:tailEnd type="none" w="med" len="med"/>
+                    </a:lnB>
+                    <a:lnTlToBr w="12700" cmpd="sng">
+                      <a:noFill/>
+                      <a:prstDash val="solid"/>
+                    </a:lnTlToBr>
+                    <a:lnBlToTr w="12700" cmpd="sng">
+                      <a:noFill/>
+                      <a:prstDash val="solid"/>
+                    </a:lnBlToTr>
+                    <a:noFill/>
+                  </a:tcPr>
+                </a:tc>
+                <a:extLst>
+                  <a:ext uri="{0D108BD9-81ED-4DB2-BD59-A6C34878D82A}">
+                    <a16:rowId xmlns:a16="http://schemas.microsoft.com/office/drawing/2014/main" val="2483891922"/>
+                  </a:ext>
+                </a:extLst>
+              </a:tr>
+              <a:tr h="129540">
+                <a:tc>
+                  <a:txBody>
+                    <a:bodyPr/>
+                    <a:lstStyle/>
+                    <a:p>
+                      <a:pPr algn="l" latinLnBrk="1"/>
+                      <a:r>
+                        <a:rPr lang="ko-KR" altLang="en-US" sz="1100" b="0" dirty="0">
+                          <a:solidFill>
+                            <a:schemeClr val="tx1"/>
+                          </a:solidFill>
+                        </a:rPr>
+                        <a:t>대장간</a:t>
+                      </a:r>
+                    </a:p>
+                  </a:txBody>
+                  <a:tcPr anchor="ctr">
+                    <a:lnL w="12700" cmpd="sng">
+                      <a:noFill/>
+                    </a:lnL>
+                    <a:lnR w="12700" cap="flat" cmpd="sng" algn="ctr">
+                      <a:solidFill>
+                        <a:schemeClr val="tx1"/>
+                      </a:solidFill>
+                      <a:prstDash val="solid"/>
+                      <a:round/>
+                      <a:headEnd type="none" w="med" len="med"/>
+                      <a:tailEnd type="none" w="med" len="med"/>
+                    </a:lnR>
+                    <a:lnT w="12700" cap="flat" cmpd="sng" algn="ctr">
+                      <a:solidFill>
+                        <a:schemeClr val="tx1"/>
+                      </a:solidFill>
+                      <a:prstDash val="solid"/>
+                      <a:round/>
+                      <a:headEnd type="none" w="med" len="med"/>
+                      <a:tailEnd type="none" w="med" len="med"/>
+                    </a:lnT>
+                    <a:lnB w="12700" cap="flat" cmpd="sng" algn="ctr">
+                      <a:solidFill>
+                        <a:schemeClr val="tx1"/>
+                      </a:solidFill>
+                      <a:prstDash val="solid"/>
+                      <a:round/>
+                      <a:headEnd type="none" w="med" len="med"/>
+                      <a:tailEnd type="none" w="med" len="med"/>
+                    </a:lnB>
+                    <a:lnTlToBr w="12700" cmpd="sng">
+                      <a:noFill/>
+                      <a:prstDash val="solid"/>
+                    </a:lnTlToBr>
+                    <a:lnBlToTr w="12700" cmpd="sng">
+                      <a:noFill/>
+                      <a:prstDash val="solid"/>
+                    </a:lnBlToTr>
+                    <a:noFill/>
+                  </a:tcPr>
+                </a:tc>
+                <a:tc>
+                  <a:txBody>
+                    <a:bodyPr/>
+                    <a:lstStyle/>
+                    <a:p>
+                      <a:pPr algn="l" latinLnBrk="1"/>
+                      <a:r>
+                        <a:rPr lang="ko-KR" altLang="en-US" sz="1100" b="0" dirty="0">
+                          <a:solidFill>
+                            <a:schemeClr val="tx1"/>
+                          </a:solidFill>
+                        </a:rPr>
+                        <a:t>다양한 장비를 만드는 공방</a:t>
+                      </a:r>
+                      <a:endParaRPr lang="en-US" altLang="ko-KR" sz="1100" b="0" dirty="0">
+                        <a:solidFill>
+                          <a:schemeClr val="tx1"/>
+                        </a:solidFill>
+                      </a:endParaRPr>
+                    </a:p>
+                    <a:p>
+                      <a:pPr algn="l" latinLnBrk="1"/>
+                      <a:r>
+                        <a:rPr lang="ko-KR" altLang="en-US" sz="1100" b="0" dirty="0">
+                          <a:solidFill>
+                            <a:schemeClr val="tx1"/>
+                          </a:solidFill>
+                        </a:rPr>
+                        <a:t>공헌도와 정해진 재료를 소비하여 장비 아이템을 </a:t>
+                      </a:r>
+                      <a:endParaRPr lang="en-US" altLang="ko-KR" sz="1100" b="0" dirty="0">
+                        <a:solidFill>
+                          <a:schemeClr val="tx1"/>
+                        </a:solidFill>
+                      </a:endParaRPr>
+                    </a:p>
+                    <a:p>
+                      <a:pPr algn="l" latinLnBrk="1"/>
+                      <a:r>
+                        <a:rPr lang="ko-KR" altLang="en-US" sz="1100" b="0" dirty="0">
+                          <a:solidFill>
+                            <a:schemeClr val="tx1"/>
+                          </a:solidFill>
+                        </a:rPr>
+                        <a:t>만들 거나 강화할 수 있다</a:t>
+                      </a:r>
+                      <a:r>
+                        <a:rPr lang="en-US" altLang="ko-KR" sz="1100" b="0" dirty="0">
+                          <a:solidFill>
+                            <a:schemeClr val="tx1"/>
+                          </a:solidFill>
+                        </a:rPr>
+                        <a:t>.</a:t>
+                      </a:r>
+                      <a:endParaRPr lang="ko-KR" altLang="en-US" sz="1100" b="0" dirty="0">
+                        <a:solidFill>
+                          <a:schemeClr val="tx1"/>
+                        </a:solidFill>
+                      </a:endParaRPr>
+                    </a:p>
+                  </a:txBody>
+                  <a:tcPr anchor="ctr">
+                    <a:lnL w="12700" cap="flat" cmpd="sng" algn="ctr">
+                      <a:solidFill>
+                        <a:schemeClr val="tx1"/>
+                      </a:solidFill>
+                      <a:prstDash val="solid"/>
+                      <a:round/>
+                      <a:headEnd type="none" w="med" len="med"/>
+                      <a:tailEnd type="none" w="med" len="med"/>
+                    </a:lnL>
+                    <a:lnR w="12700" cmpd="sng">
+                      <a:noFill/>
+                    </a:lnR>
+                    <a:lnT w="12700" cap="flat" cmpd="sng" algn="ctr">
+                      <a:solidFill>
+                        <a:schemeClr val="tx1"/>
+                      </a:solidFill>
+                      <a:prstDash val="solid"/>
+                      <a:round/>
+                      <a:headEnd type="none" w="med" len="med"/>
+                      <a:tailEnd type="none" w="med" len="med"/>
+                    </a:lnT>
+                    <a:lnB w="12700" cap="flat" cmpd="sng" algn="ctr">
+                      <a:solidFill>
+                        <a:schemeClr val="tx1"/>
+                      </a:solidFill>
+                      <a:prstDash val="solid"/>
+                      <a:round/>
+                      <a:headEnd type="none" w="med" len="med"/>
+                      <a:tailEnd type="none" w="med" len="med"/>
+                    </a:lnB>
+                    <a:lnTlToBr w="12700" cmpd="sng">
+                      <a:noFill/>
+                      <a:prstDash val="solid"/>
+                    </a:lnTlToBr>
+                    <a:lnBlToTr w="12700" cmpd="sng">
+                      <a:noFill/>
+                      <a:prstDash val="solid"/>
+                    </a:lnBlToTr>
+                    <a:noFill/>
+                  </a:tcPr>
+                </a:tc>
+                <a:extLst>
+                  <a:ext uri="{0D108BD9-81ED-4DB2-BD59-A6C34878D82A}">
+                    <a16:rowId xmlns:a16="http://schemas.microsoft.com/office/drawing/2014/main" val="1417571119"/>
+                  </a:ext>
+                </a:extLst>
+              </a:tr>
+              <a:tr h="129540">
+                <a:tc>
+                  <a:txBody>
+                    <a:bodyPr/>
+                    <a:lstStyle/>
+                    <a:p>
+                      <a:pPr algn="l" latinLnBrk="1"/>
+                      <a:r>
+                        <a:rPr lang="ko-KR" altLang="en-US" sz="1100" b="0" dirty="0">
+                          <a:solidFill>
+                            <a:schemeClr val="tx1"/>
+                          </a:solidFill>
+                        </a:rPr>
+                        <a:t>병창</a:t>
+                      </a:r>
+                    </a:p>
+                  </a:txBody>
+                  <a:tcPr anchor="ctr">
+                    <a:lnL w="12700" cmpd="sng">
+                      <a:noFill/>
+                    </a:lnL>
+                    <a:lnR w="12700" cap="flat" cmpd="sng" algn="ctr">
+                      <a:solidFill>
+                        <a:schemeClr val="tx1"/>
+                      </a:solidFill>
+                      <a:prstDash val="solid"/>
+                      <a:round/>
+                      <a:headEnd type="none" w="med" len="med"/>
+                      <a:tailEnd type="none" w="med" len="med"/>
+                    </a:lnR>
+                    <a:lnT w="12700" cap="flat" cmpd="sng" algn="ctr">
+                      <a:solidFill>
+                        <a:schemeClr val="tx1"/>
+                      </a:solidFill>
+                      <a:prstDash val="solid"/>
+                      <a:round/>
+                      <a:headEnd type="none" w="med" len="med"/>
+                      <a:tailEnd type="none" w="med" len="med"/>
+                    </a:lnT>
+                    <a:lnB w="12700" cap="flat" cmpd="sng" algn="ctr">
+                      <a:solidFill>
+                        <a:schemeClr val="tx1"/>
+                      </a:solidFill>
+                      <a:prstDash val="solid"/>
+                      <a:round/>
+                      <a:headEnd type="none" w="med" len="med"/>
+                      <a:tailEnd type="none" w="med" len="med"/>
+                    </a:lnB>
+                    <a:lnTlToBr w="12700" cmpd="sng">
+                      <a:noFill/>
+                      <a:prstDash val="solid"/>
+                    </a:lnTlToBr>
+                    <a:lnBlToTr w="12700" cmpd="sng">
+                      <a:noFill/>
+                      <a:prstDash val="solid"/>
+                    </a:lnBlToTr>
+                    <a:noFill/>
+                  </a:tcPr>
+                </a:tc>
+                <a:tc>
+                  <a:txBody>
+                    <a:bodyPr/>
+                    <a:lstStyle/>
+                    <a:p>
+                      <a:pPr algn="l" latinLnBrk="1"/>
+                      <a:r>
+                        <a:rPr lang="ko-KR" altLang="en-US" sz="1100" b="0" dirty="0">
+                          <a:solidFill>
+                            <a:schemeClr val="tx1"/>
+                          </a:solidFill>
+                        </a:rPr>
+                        <a:t>다양한 무기를 보관하고 있는 창고</a:t>
+                      </a:r>
+                      <a:endParaRPr lang="en-US" altLang="ko-KR" sz="1100" b="0" dirty="0">
+                        <a:solidFill>
+                          <a:schemeClr val="tx1"/>
+                        </a:solidFill>
+                      </a:endParaRPr>
+                    </a:p>
+                    <a:p>
+                      <a:pPr algn="l" latinLnBrk="1"/>
+                      <a:r>
+                        <a:rPr lang="ko-KR" altLang="en-US" sz="1100" b="0" dirty="0">
+                          <a:solidFill>
+                            <a:schemeClr val="tx1"/>
+                          </a:solidFill>
+                        </a:rPr>
+                        <a:t>공헌도나 골드를 소비하여 무기를 구매할 수 있다</a:t>
+                      </a:r>
+                      <a:r>
+                        <a:rPr lang="en-US" altLang="ko-KR" sz="1100" b="0" dirty="0">
+                          <a:solidFill>
+                            <a:schemeClr val="tx1"/>
+                          </a:solidFill>
+                        </a:rPr>
+                        <a:t>.</a:t>
+                      </a:r>
+                      <a:endParaRPr lang="ko-KR" altLang="en-US" sz="1100" b="0" dirty="0">
+                        <a:solidFill>
+                          <a:schemeClr val="tx1"/>
+                        </a:solidFill>
+                      </a:endParaRPr>
+                    </a:p>
+                  </a:txBody>
+                  <a:tcPr anchor="ctr">
+                    <a:lnL w="12700" cap="flat" cmpd="sng" algn="ctr">
+                      <a:solidFill>
+                        <a:schemeClr val="tx1"/>
+                      </a:solidFill>
+                      <a:prstDash val="solid"/>
+                      <a:round/>
+                      <a:headEnd type="none" w="med" len="med"/>
+                      <a:tailEnd type="none" w="med" len="med"/>
+                    </a:lnL>
+                    <a:lnR w="12700" cmpd="sng">
+                      <a:noFill/>
+                    </a:lnR>
+                    <a:lnT w="12700" cap="flat" cmpd="sng" algn="ctr">
+                      <a:solidFill>
+                        <a:schemeClr val="tx1"/>
+                      </a:solidFill>
+                      <a:prstDash val="solid"/>
+                      <a:round/>
+                      <a:headEnd type="none" w="med" len="med"/>
+                      <a:tailEnd type="none" w="med" len="med"/>
+                    </a:lnT>
+                    <a:lnB w="12700" cap="flat" cmpd="sng" algn="ctr">
+                      <a:solidFill>
+                        <a:schemeClr val="tx1"/>
+                      </a:solidFill>
+                      <a:prstDash val="solid"/>
+                      <a:round/>
+                      <a:headEnd type="none" w="med" len="med"/>
+                      <a:tailEnd type="none" w="med" len="med"/>
+                    </a:lnB>
+                    <a:lnTlToBr w="12700" cmpd="sng">
+                      <a:noFill/>
+                      <a:prstDash val="solid"/>
+                    </a:lnTlToBr>
+                    <a:lnBlToTr w="12700" cmpd="sng">
+                      <a:noFill/>
+                      <a:prstDash val="solid"/>
+                    </a:lnBlToTr>
+                    <a:noFill/>
+                  </a:tcPr>
+                </a:tc>
+                <a:extLst>
+                  <a:ext uri="{0D108BD9-81ED-4DB2-BD59-A6C34878D82A}">
+                    <a16:rowId xmlns:a16="http://schemas.microsoft.com/office/drawing/2014/main" val="3184795659"/>
+                  </a:ext>
+                </a:extLst>
+              </a:tr>
+              <a:tr h="0">
+                <a:tc>
+                  <a:txBody>
+                    <a:bodyPr/>
+                    <a:lstStyle/>
+                    <a:p>
+                      <a:pPr algn="l" latinLnBrk="1"/>
+                      <a:r>
+                        <a:rPr lang="ko-KR" altLang="en-US" sz="1100" b="0" dirty="0">
+                          <a:solidFill>
+                            <a:schemeClr val="tx1"/>
+                          </a:solidFill>
+                        </a:rPr>
+                        <a:t>수련장</a:t>
+                      </a:r>
+                    </a:p>
+                  </a:txBody>
+                  <a:tcPr anchor="ctr">
+                    <a:lnL w="12700" cmpd="sng">
+                      <a:noFill/>
+                    </a:lnL>
+                    <a:lnR w="12700" cap="flat" cmpd="sng" algn="ctr">
+                      <a:solidFill>
+                        <a:schemeClr val="tx1"/>
+                      </a:solidFill>
+                      <a:prstDash val="solid"/>
+                      <a:round/>
+                      <a:headEnd type="none" w="med" len="med"/>
+                      <a:tailEnd type="none" w="med" len="med"/>
+                    </a:lnR>
+                    <a:lnT w="12700" cap="flat" cmpd="sng" algn="ctr">
+                      <a:solidFill>
+                        <a:schemeClr val="tx1"/>
+                      </a:solidFill>
+                      <a:prstDash val="solid"/>
+                      <a:round/>
+                      <a:headEnd type="none" w="med" len="med"/>
+                      <a:tailEnd type="none" w="med" len="med"/>
+                    </a:lnT>
+                    <a:lnB w="12700" cap="flat" cmpd="sng" algn="ctr">
+                      <a:solidFill>
+                        <a:schemeClr val="tx1"/>
+                      </a:solidFill>
+                      <a:prstDash val="solid"/>
+                      <a:round/>
+                      <a:headEnd type="none" w="med" len="med"/>
+                      <a:tailEnd type="none" w="med" len="med"/>
+                    </a:lnB>
+                    <a:lnTlToBr w="12700" cmpd="sng">
+                      <a:noFill/>
+                      <a:prstDash val="solid"/>
+                    </a:lnTlToBr>
+                    <a:lnBlToTr w="12700" cmpd="sng">
+                      <a:noFill/>
+                      <a:prstDash val="solid"/>
+                    </a:lnBlToTr>
+                    <a:noFill/>
+                  </a:tcPr>
+                </a:tc>
+                <a:tc>
+                  <a:txBody>
+                    <a:bodyPr/>
+                    <a:lstStyle/>
+                    <a:p>
+                      <a:pPr algn="l" latinLnBrk="1"/>
+                      <a:r>
+                        <a:rPr lang="ko-KR" altLang="en-US" sz="1100" b="0" dirty="0">
+                          <a:solidFill>
+                            <a:schemeClr val="tx1"/>
+                          </a:solidFill>
+                        </a:rPr>
+                        <a:t>무공 연습과 심상 수련을 할 수 있는 넓은 수련장</a:t>
+                      </a:r>
+                      <a:endParaRPr lang="en-US" altLang="ko-KR" sz="1100" b="0" dirty="0">
+                        <a:solidFill>
+                          <a:schemeClr val="tx1"/>
+                        </a:solidFill>
+                      </a:endParaRPr>
+                    </a:p>
+                    <a:p>
+                      <a:pPr algn="l" latinLnBrk="1"/>
+                      <a:r>
+                        <a:rPr lang="ko-KR" altLang="en-US" sz="1100" b="0" dirty="0">
+                          <a:solidFill>
+                            <a:schemeClr val="tx1"/>
+                          </a:solidFill>
+                        </a:rPr>
+                        <a:t>시간을 소비하여 능력치를 상승 시킬 수 있다</a:t>
+                      </a:r>
+                      <a:r>
+                        <a:rPr lang="en-US" altLang="ko-KR" sz="1100" b="0" dirty="0">
+                          <a:solidFill>
+                            <a:schemeClr val="tx1"/>
+                          </a:solidFill>
+                        </a:rPr>
+                        <a:t>.</a:t>
+                      </a:r>
+                      <a:endParaRPr lang="ko-KR" altLang="en-US" sz="1100" b="0" dirty="0">
+                        <a:solidFill>
+                          <a:schemeClr val="tx1"/>
+                        </a:solidFill>
+                      </a:endParaRPr>
+                    </a:p>
+                  </a:txBody>
+                  <a:tcPr anchor="ctr">
+                    <a:lnL w="12700" cap="flat" cmpd="sng" algn="ctr">
+                      <a:solidFill>
+                        <a:schemeClr val="tx1"/>
+                      </a:solidFill>
+                      <a:prstDash val="solid"/>
+                      <a:round/>
+                      <a:headEnd type="none" w="med" len="med"/>
+                      <a:tailEnd type="none" w="med" len="med"/>
+                    </a:lnL>
+                    <a:lnR w="12700" cmpd="sng">
+                      <a:noFill/>
+                    </a:lnR>
+                    <a:lnT w="12700" cap="flat" cmpd="sng" algn="ctr">
+                      <a:solidFill>
+                        <a:schemeClr val="tx1"/>
+                      </a:solidFill>
+                      <a:prstDash val="solid"/>
+                      <a:round/>
+                      <a:headEnd type="none" w="med" len="med"/>
+                      <a:tailEnd type="none" w="med" len="med"/>
+                    </a:lnT>
+                    <a:lnB w="12700" cap="flat" cmpd="sng" algn="ctr">
+                      <a:solidFill>
+                        <a:schemeClr val="tx1"/>
+                      </a:solidFill>
+                      <a:prstDash val="solid"/>
+                      <a:round/>
+                      <a:headEnd type="none" w="med" len="med"/>
+                      <a:tailEnd type="none" w="med" len="med"/>
+                    </a:lnB>
+                    <a:lnTlToBr w="12700" cmpd="sng">
+                      <a:noFill/>
+                      <a:prstDash val="solid"/>
+                    </a:lnTlToBr>
+                    <a:lnBlToTr w="12700" cmpd="sng">
+                      <a:noFill/>
+                      <a:prstDash val="solid"/>
+                    </a:lnBlToTr>
+                    <a:noFill/>
+                  </a:tcPr>
+                </a:tc>
+                <a:extLst>
+                  <a:ext uri="{0D108BD9-81ED-4DB2-BD59-A6C34878D82A}">
+                    <a16:rowId xmlns:a16="http://schemas.microsoft.com/office/drawing/2014/main" val="1009116483"/>
+                  </a:ext>
+                </a:extLst>
+              </a:tr>
+              <a:tr h="0">
+                <a:tc>
+                  <a:txBody>
+                    <a:bodyPr/>
+                    <a:lstStyle/>
+                    <a:p>
+                      <a:pPr algn="l" latinLnBrk="1"/>
+                      <a:r>
+                        <a:rPr lang="ko-KR" altLang="en-US" sz="1100" b="0" dirty="0">
+                          <a:solidFill>
+                            <a:schemeClr val="tx1"/>
+                          </a:solidFill>
+                        </a:rPr>
+                        <a:t>폐관 수련장</a:t>
+                      </a:r>
+                    </a:p>
+                  </a:txBody>
+                  <a:tcPr anchor="ctr">
+                    <a:lnL w="12700" cmpd="sng">
+                      <a:noFill/>
+                    </a:lnL>
+                    <a:lnR w="12700" cap="flat" cmpd="sng" algn="ctr">
+                      <a:solidFill>
+                        <a:schemeClr val="tx1"/>
+                      </a:solidFill>
+                      <a:prstDash val="solid"/>
+                      <a:round/>
+                      <a:headEnd type="none" w="med" len="med"/>
+                      <a:tailEnd type="none" w="med" len="med"/>
+                    </a:lnR>
+                    <a:lnT w="12700" cap="flat" cmpd="sng" algn="ctr">
+                      <a:solidFill>
+                        <a:schemeClr val="tx1"/>
+                      </a:solidFill>
+                      <a:prstDash val="solid"/>
+                      <a:round/>
+                      <a:headEnd type="none" w="med" len="med"/>
+                      <a:tailEnd type="none" w="med" len="med"/>
+                    </a:lnT>
+                    <a:lnB w="12700" cap="flat" cmpd="sng" algn="ctr">
+                      <a:noFill/>
+                      <a:prstDash val="solid"/>
+                      <a:round/>
+                      <a:headEnd type="none" w="med" len="med"/>
+                      <a:tailEnd type="none" w="med" len="med"/>
+                    </a:lnB>
+                    <a:lnTlToBr w="12700" cmpd="sng">
+                      <a:noFill/>
+                      <a:prstDash val="solid"/>
+                    </a:lnTlToBr>
+                    <a:lnBlToTr w="12700" cmpd="sng">
+                      <a:noFill/>
+                      <a:prstDash val="solid"/>
+                    </a:lnBlToTr>
+                    <a:noFill/>
+                  </a:tcPr>
+                </a:tc>
+                <a:tc>
+                  <a:txBody>
+                    <a:bodyPr/>
+                    <a:lstStyle/>
+                    <a:p>
+                      <a:pPr algn="l" latinLnBrk="1"/>
+                      <a:r>
+                        <a:rPr lang="ko-KR" altLang="en-US" sz="1100" b="0" dirty="0">
+                          <a:solidFill>
+                            <a:schemeClr val="tx1"/>
+                          </a:solidFill>
+                        </a:rPr>
+                        <a:t>명상과 폐관 수련을 할 수 있는 수련장</a:t>
+                      </a:r>
+                      <a:endParaRPr lang="en-US" altLang="ko-KR" sz="1100" b="0" dirty="0">
+                        <a:solidFill>
+                          <a:schemeClr val="tx1"/>
+                        </a:solidFill>
+                      </a:endParaRPr>
+                    </a:p>
+                    <a:p>
+                      <a:pPr algn="l" latinLnBrk="1"/>
+                      <a:r>
+                        <a:rPr lang="ko-KR" altLang="en-US" sz="1100" b="0" dirty="0">
+                          <a:solidFill>
+                            <a:schemeClr val="tx1"/>
+                          </a:solidFill>
+                        </a:rPr>
+                        <a:t>시간과 음식을 소비하여 능력치를 상승 시킬 수 있다</a:t>
+                      </a:r>
+                      <a:r>
+                        <a:rPr lang="en-US" altLang="ko-KR" sz="1100" b="0" dirty="0">
+                          <a:solidFill>
+                            <a:schemeClr val="tx1"/>
+                          </a:solidFill>
+                        </a:rPr>
+                        <a:t>.</a:t>
+                      </a:r>
+                      <a:endParaRPr lang="ko-KR" altLang="en-US" sz="1100" b="0" dirty="0">
+                        <a:solidFill>
+                          <a:schemeClr val="tx1"/>
+                        </a:solidFill>
+                      </a:endParaRPr>
+                    </a:p>
+                  </a:txBody>
+                  <a:tcPr anchor="ctr">
+                    <a:lnL w="12700" cap="flat" cmpd="sng" algn="ctr">
+                      <a:solidFill>
+                        <a:schemeClr val="tx1"/>
+                      </a:solidFill>
+                      <a:prstDash val="solid"/>
+                      <a:round/>
+                      <a:headEnd type="none" w="med" len="med"/>
+                      <a:tailEnd type="none" w="med" len="med"/>
+                    </a:lnL>
+                    <a:lnR w="12700" cmpd="sng">
+                      <a:noFill/>
+                    </a:lnR>
+                    <a:lnT w="12700" cap="flat" cmpd="sng" algn="ctr">
+                      <a:solidFill>
+                        <a:schemeClr val="tx1"/>
+                      </a:solidFill>
+                      <a:prstDash val="solid"/>
+                      <a:round/>
+                      <a:headEnd type="none" w="med" len="med"/>
+                      <a:tailEnd type="none" w="med" len="med"/>
+                    </a:lnT>
+                    <a:lnB w="12700" cap="flat" cmpd="sng" algn="ctr">
+                      <a:noFill/>
+                      <a:prstDash val="solid"/>
+                      <a:round/>
+                      <a:headEnd type="none" w="med" len="med"/>
+                      <a:tailEnd type="none" w="med" len="med"/>
+                    </a:lnB>
+                    <a:lnTlToBr w="12700" cmpd="sng">
+                      <a:noFill/>
+                      <a:prstDash val="solid"/>
+                    </a:lnTlToBr>
+                    <a:lnBlToTr w="12700" cmpd="sng">
+                      <a:noFill/>
+                      <a:prstDash val="solid"/>
+                    </a:lnBlToTr>
+                    <a:noFill/>
+                  </a:tcPr>
+                </a:tc>
+                <a:extLst>
+                  <a:ext uri="{0D108BD9-81ED-4DB2-BD59-A6C34878D82A}">
+                    <a16:rowId xmlns:a16="http://schemas.microsoft.com/office/drawing/2014/main" val="3952540768"/>
+                  </a:ext>
+                </a:extLst>
+              </a:tr>
+            </a:tbl>
+          </a:graphicData>
+        </a:graphic>
+      </p:graphicFrame>
+      <p:graphicFrame>
+        <p:nvGraphicFramePr>
+          <p:cNvPr id="4" name="표 2">
+            <a:extLst>
+              <a:ext uri="{FF2B5EF4-FFF2-40B4-BE49-F238E27FC236}">
+                <a16:creationId xmlns:a16="http://schemas.microsoft.com/office/drawing/2014/main" id="{FD807A23-22FB-44D5-8551-82AE945FD6C1}"/>
+              </a:ext>
+            </a:extLst>
+          </p:cNvPr>
+          <p:cNvGraphicFramePr>
+            <a:graphicFrameLocks noGrp="1"/>
+          </p:cNvGraphicFramePr>
+          <p:nvPr/>
+        </p:nvGraphicFramePr>
+        <p:xfrm>
+          <a:off x="3687603" y="1310469"/>
+          <a:ext cx="4816793" cy="2072640"/>
+        </p:xfrm>
+        <a:graphic>
+          <a:graphicData uri="http://schemas.openxmlformats.org/drawingml/2006/table">
+            <a:tbl>
+              <a:tblPr firstRow="1" bandRow="1">
+                <a:tableStyleId>{5C22544A-7EE6-4342-B048-85BDC9FD1C3A}</a:tableStyleId>
+              </a:tblPr>
+              <a:tblGrid>
+                <a:gridCol w="4816793">
+                  <a:extLst>
+                    <a:ext uri="{9D8B030D-6E8A-4147-A177-3AD203B41FA5}">
+                      <a16:colId xmlns:a16="http://schemas.microsoft.com/office/drawing/2014/main" val="2422316135"/>
+                    </a:ext>
+                  </a:extLst>
+                </a:gridCol>
+              </a:tblGrid>
+              <a:tr h="0">
+                <a:tc>
+                  <a:txBody>
+                    <a:bodyPr/>
+                    <a:lstStyle/>
+                    <a:p>
+                      <a:pPr algn="l" latinLnBrk="1"/>
+                      <a:r>
+                        <a:rPr lang="ko-KR" altLang="en-US" sz="1100" b="0" dirty="0" err="1">
+                          <a:solidFill>
+                            <a:schemeClr val="tx1"/>
+                          </a:solidFill>
+                        </a:rPr>
+                        <a:t>문파</a:t>
+                      </a:r>
+                      <a:r>
+                        <a:rPr lang="ko-KR" altLang="en-US" sz="1100" b="0" dirty="0">
+                          <a:solidFill>
+                            <a:schemeClr val="tx1"/>
+                          </a:solidFill>
+                        </a:rPr>
+                        <a:t> 특수 시설이 란</a:t>
+                      </a:r>
+                      <a:r>
+                        <a:rPr lang="en-US" altLang="ko-KR" sz="1100" b="0" dirty="0">
+                          <a:solidFill>
+                            <a:schemeClr val="tx1"/>
+                          </a:solidFill>
+                        </a:rPr>
+                        <a:t>?</a:t>
+                      </a:r>
+                      <a:endParaRPr lang="ko-KR" altLang="en-US" sz="1100" b="0" dirty="0">
+                        <a:solidFill>
+                          <a:schemeClr val="tx1"/>
+                        </a:solidFill>
+                      </a:endParaRPr>
+                    </a:p>
+                  </a:txBody>
+                  <a:tcPr>
+                    <a:lnL w="12700" cmpd="sng">
+                      <a:noFill/>
+                    </a:lnL>
+                    <a:lnR w="12700" cmpd="sng">
+                      <a:noFill/>
+                    </a:lnR>
+                    <a:lnT w="12700" cmpd="sng">
+                      <a:noFill/>
+                    </a:lnT>
+                    <a:lnB w="12700" cap="flat" cmpd="sng" algn="ctr">
+                      <a:solidFill>
+                        <a:schemeClr val="tx1"/>
+                      </a:solidFill>
+                      <a:prstDash val="solid"/>
+                      <a:round/>
+                      <a:headEnd type="none" w="med" len="med"/>
+                      <a:tailEnd type="none" w="med" len="med"/>
+                    </a:lnB>
+                    <a:lnTlToBr w="12700" cmpd="sng">
+                      <a:noFill/>
+                      <a:prstDash val="solid"/>
+                    </a:lnTlToBr>
+                    <a:lnBlToTr w="12700" cmpd="sng">
+                      <a:noFill/>
+                      <a:prstDash val="solid"/>
+                    </a:lnBlToTr>
+                    <a:solidFill>
+                      <a:schemeClr val="bg1">
+                        <a:lumMod val="95000"/>
+                      </a:schemeClr>
+                    </a:solidFill>
+                  </a:tcPr>
+                </a:tc>
+                <a:extLst>
+                  <a:ext uri="{0D108BD9-81ED-4DB2-BD59-A6C34878D82A}">
+                    <a16:rowId xmlns:a16="http://schemas.microsoft.com/office/drawing/2014/main" val="3064705254"/>
+                  </a:ext>
+                </a:extLst>
+              </a:tr>
+              <a:tr h="0">
+                <a:tc>
+                  <a:txBody>
+                    <a:bodyPr/>
+                    <a:lstStyle/>
+                    <a:p>
+                      <a:pPr algn="l" latinLnBrk="1"/>
+                      <a:r>
+                        <a:rPr lang="ko-KR" altLang="en-US" sz="1100" b="0" dirty="0" err="1">
+                          <a:solidFill>
+                            <a:schemeClr val="tx1"/>
+                          </a:solidFill>
+                        </a:rPr>
+                        <a:t>문파에</a:t>
+                      </a:r>
+                      <a:r>
+                        <a:rPr lang="ko-KR" altLang="en-US" sz="1100" b="0" dirty="0">
+                          <a:solidFill>
+                            <a:schemeClr val="tx1"/>
+                          </a:solidFill>
+                        </a:rPr>
+                        <a:t> 소속된 플레이어가 이용할 수 있는 특수 시설이다</a:t>
+                      </a:r>
+                      <a:r>
+                        <a:rPr lang="en-US" altLang="ko-KR" sz="1100" b="0" dirty="0">
+                          <a:solidFill>
+                            <a:schemeClr val="tx1"/>
+                          </a:solidFill>
+                        </a:rPr>
+                        <a:t>.</a:t>
+                      </a:r>
+                    </a:p>
+                  </a:txBody>
+                  <a:tcPr anchor="ctr">
+                    <a:lnL w="12700" cmpd="sng">
+                      <a:noFill/>
+                    </a:lnL>
+                    <a:lnR w="12700" cmpd="sng">
+                      <a:noFill/>
+                    </a:lnR>
+                    <a:lnT w="12700" cap="flat" cmpd="sng" algn="ctr">
+                      <a:solidFill>
+                        <a:schemeClr val="tx1"/>
+                      </a:solidFill>
+                      <a:prstDash val="solid"/>
+                      <a:round/>
+                      <a:headEnd type="none" w="med" len="med"/>
+                      <a:tailEnd type="none" w="med" len="med"/>
+                    </a:lnT>
+                    <a:lnB w="12700" cap="flat" cmpd="sng" algn="ctr">
+                      <a:noFill/>
+                      <a:prstDash val="solid"/>
+                      <a:round/>
+                      <a:headEnd type="none" w="med" len="med"/>
+                      <a:tailEnd type="none" w="med" len="med"/>
+                    </a:lnB>
+                    <a:lnTlToBr w="12700" cmpd="sng">
+                      <a:noFill/>
+                      <a:prstDash val="solid"/>
+                    </a:lnTlToBr>
+                    <a:lnBlToTr w="12700" cmpd="sng">
+                      <a:noFill/>
+                      <a:prstDash val="solid"/>
+                    </a:lnBlToTr>
+                    <a:noFill/>
+                  </a:tcPr>
+                </a:tc>
+                <a:extLst>
+                  <a:ext uri="{0D108BD9-81ED-4DB2-BD59-A6C34878D82A}">
+                    <a16:rowId xmlns:a16="http://schemas.microsoft.com/office/drawing/2014/main" val="3391025423"/>
+                  </a:ext>
+                </a:extLst>
+              </a:tr>
+              <a:tr h="0">
+                <a:tc>
+                  <a:txBody>
+                    <a:bodyPr/>
+                    <a:lstStyle/>
+                    <a:p>
+                      <a:pPr algn="l" latinLnBrk="1"/>
+                      <a:endParaRPr lang="en-US" altLang="ko-KR" sz="1100" b="0" dirty="0">
+                        <a:solidFill>
+                          <a:schemeClr val="tx1"/>
+                        </a:solidFill>
+                      </a:endParaRPr>
+                    </a:p>
+                  </a:txBody>
+                  <a:tcPr anchor="ctr">
+                    <a:lnL w="12700" cmpd="sng">
+                      <a:noFill/>
+                    </a:lnL>
+                    <a:lnR w="12700" cmpd="sng">
+                      <a:noFill/>
+                    </a:lnR>
+                    <a:lnT w="12700" cap="flat" cmpd="sng" algn="ctr">
+                      <a:noFill/>
+                      <a:prstDash val="solid"/>
+                      <a:round/>
+                      <a:headEnd type="none" w="med" len="med"/>
+                      <a:tailEnd type="none" w="med" len="med"/>
+                    </a:lnT>
+                    <a:lnB w="12700" cap="flat" cmpd="sng" algn="ctr">
+                      <a:noFill/>
+                      <a:prstDash val="solid"/>
+                      <a:round/>
+                      <a:headEnd type="none" w="med" len="med"/>
+                      <a:tailEnd type="none" w="med" len="med"/>
+                    </a:lnB>
+                    <a:lnTlToBr w="12700" cmpd="sng">
+                      <a:noFill/>
+                      <a:prstDash val="solid"/>
+                    </a:lnTlToBr>
+                    <a:lnBlToTr w="12700" cmpd="sng">
+                      <a:noFill/>
+                      <a:prstDash val="solid"/>
+                    </a:lnBlToTr>
+                    <a:noFill/>
+                  </a:tcPr>
+                </a:tc>
+                <a:extLst>
+                  <a:ext uri="{0D108BD9-81ED-4DB2-BD59-A6C34878D82A}">
+                    <a16:rowId xmlns:a16="http://schemas.microsoft.com/office/drawing/2014/main" val="688649762"/>
+                  </a:ext>
+                </a:extLst>
+              </a:tr>
+              <a:tr h="0">
+                <a:tc>
+                  <a:txBody>
+                    <a:bodyPr/>
+                    <a:lstStyle/>
+                    <a:p>
+                      <a:pPr algn="l" latinLnBrk="1"/>
+                      <a:r>
+                        <a:rPr lang="ko-KR" altLang="en-US" sz="1100" b="0" dirty="0" err="1">
+                          <a:solidFill>
+                            <a:schemeClr val="tx1"/>
+                          </a:solidFill>
+                        </a:rPr>
+                        <a:t>문파별로</a:t>
+                      </a:r>
+                      <a:r>
+                        <a:rPr lang="ko-KR" altLang="en-US" sz="1100" b="0" dirty="0">
+                          <a:solidFill>
+                            <a:schemeClr val="tx1"/>
+                          </a:solidFill>
+                        </a:rPr>
+                        <a:t> 특수 시설이 존재한다</a:t>
+                      </a:r>
+                      <a:r>
+                        <a:rPr lang="en-US" altLang="ko-KR" sz="1100" b="0" dirty="0">
+                          <a:solidFill>
+                            <a:schemeClr val="tx1"/>
+                          </a:solidFill>
+                        </a:rPr>
+                        <a:t>.</a:t>
+                      </a:r>
+                    </a:p>
+                  </a:txBody>
+                  <a:tcPr anchor="ctr">
+                    <a:lnL w="12700" cmpd="sng">
+                      <a:noFill/>
+                    </a:lnL>
+                    <a:lnR w="12700" cmpd="sng">
+                      <a:noFill/>
+                    </a:lnR>
+                    <a:lnT w="12700" cap="flat" cmpd="sng" algn="ctr">
+                      <a:noFill/>
+                      <a:prstDash val="solid"/>
+                      <a:round/>
+                      <a:headEnd type="none" w="med" len="med"/>
+                      <a:tailEnd type="none" w="med" len="med"/>
+                    </a:lnT>
+                    <a:lnB w="12700" cap="flat" cmpd="sng" algn="ctr">
+                      <a:solidFill>
+                        <a:schemeClr val="tx1"/>
+                      </a:solidFill>
+                      <a:prstDash val="solid"/>
+                      <a:round/>
+                      <a:headEnd type="none" w="med" len="med"/>
+                      <a:tailEnd type="none" w="med" len="med"/>
+                    </a:lnB>
+                    <a:lnTlToBr w="12700" cmpd="sng">
+                      <a:noFill/>
+                      <a:prstDash val="solid"/>
+                    </a:lnTlToBr>
+                    <a:lnBlToTr w="12700" cmpd="sng">
+                      <a:noFill/>
+                      <a:prstDash val="solid"/>
+                    </a:lnBlToTr>
+                    <a:noFill/>
+                  </a:tcPr>
+                </a:tc>
+                <a:extLst>
+                  <a:ext uri="{0D108BD9-81ED-4DB2-BD59-A6C34878D82A}">
+                    <a16:rowId xmlns:a16="http://schemas.microsoft.com/office/drawing/2014/main" val="2295683313"/>
+                  </a:ext>
+                </a:extLst>
+              </a:tr>
+              <a:tr h="0">
+                <a:tc>
+                  <a:txBody>
+                    <a:bodyPr/>
+                    <a:lstStyle/>
+                    <a:p>
+                      <a:pPr algn="l" latinLnBrk="1"/>
+                      <a:r>
+                        <a:rPr lang="ko-KR" altLang="en-US" sz="1100" b="0" dirty="0">
+                          <a:solidFill>
+                            <a:schemeClr val="tx1"/>
+                          </a:solidFill>
+                        </a:rPr>
+                        <a:t>특수 시설은 서고</a:t>
+                      </a:r>
+                      <a:r>
+                        <a:rPr lang="en-US" altLang="ko-KR" sz="1100" b="0" dirty="0">
+                          <a:solidFill>
+                            <a:schemeClr val="tx1"/>
+                          </a:solidFill>
+                        </a:rPr>
+                        <a:t>, </a:t>
+                      </a:r>
+                      <a:r>
+                        <a:rPr lang="ko-KR" altLang="en-US" sz="1100" b="0" dirty="0">
+                          <a:solidFill>
+                            <a:schemeClr val="tx1"/>
+                          </a:solidFill>
+                        </a:rPr>
+                        <a:t>영양 </a:t>
+                      </a:r>
+                      <a:r>
+                        <a:rPr lang="ko-KR" altLang="en-US" sz="1100" b="0" dirty="0" err="1">
+                          <a:solidFill>
+                            <a:schemeClr val="tx1"/>
+                          </a:solidFill>
+                        </a:rPr>
+                        <a:t>제조실</a:t>
+                      </a:r>
+                      <a:r>
+                        <a:rPr lang="en-US" altLang="ko-KR" sz="1100" b="0" dirty="0">
+                          <a:solidFill>
+                            <a:schemeClr val="tx1"/>
+                          </a:solidFill>
+                        </a:rPr>
+                        <a:t>, </a:t>
+                      </a:r>
+                      <a:r>
+                        <a:rPr lang="ko-KR" altLang="en-US" sz="1100" b="0" dirty="0">
+                          <a:solidFill>
+                            <a:schemeClr val="tx1"/>
+                          </a:solidFill>
+                        </a:rPr>
+                        <a:t>대장간</a:t>
+                      </a:r>
+                      <a:r>
+                        <a:rPr lang="en-US" altLang="ko-KR" sz="1100" b="0" dirty="0">
+                          <a:solidFill>
+                            <a:schemeClr val="tx1"/>
+                          </a:solidFill>
+                        </a:rPr>
+                        <a:t>, </a:t>
+                      </a:r>
+                      <a:r>
+                        <a:rPr lang="ko-KR" altLang="en-US" sz="1100" b="0" dirty="0">
+                          <a:solidFill>
+                            <a:schemeClr val="tx1"/>
+                          </a:solidFill>
+                        </a:rPr>
+                        <a:t>병창</a:t>
+                      </a:r>
+                      <a:r>
+                        <a:rPr lang="en-US" altLang="ko-KR" sz="1100" b="0" dirty="0">
+                          <a:solidFill>
+                            <a:schemeClr val="tx1"/>
+                          </a:solidFill>
+                        </a:rPr>
+                        <a:t>, </a:t>
+                      </a:r>
+                      <a:r>
+                        <a:rPr lang="ko-KR" altLang="en-US" sz="1100" b="0" dirty="0">
+                          <a:solidFill>
+                            <a:schemeClr val="tx1"/>
+                          </a:solidFill>
+                        </a:rPr>
+                        <a:t>수련장</a:t>
+                      </a:r>
+                      <a:r>
+                        <a:rPr lang="en-US" altLang="ko-KR" sz="1100" b="0" dirty="0">
+                          <a:solidFill>
+                            <a:schemeClr val="tx1"/>
+                          </a:solidFill>
+                        </a:rPr>
+                        <a:t>, </a:t>
+                      </a:r>
+                      <a:r>
+                        <a:rPr lang="ko-KR" altLang="en-US" sz="1100" b="0" dirty="0">
+                          <a:solidFill>
+                            <a:schemeClr val="tx1"/>
+                          </a:solidFill>
+                        </a:rPr>
+                        <a:t>폐관 수련장이 있다</a:t>
+                      </a:r>
+                      <a:r>
+                        <a:rPr lang="en-US" altLang="ko-KR" sz="1100" b="0" dirty="0">
+                          <a:solidFill>
+                            <a:schemeClr val="tx1"/>
+                          </a:solidFill>
+                        </a:rPr>
+                        <a:t>.</a:t>
+                      </a:r>
+                    </a:p>
+                  </a:txBody>
+                  <a:tcPr anchor="ctr">
+                    <a:lnL w="12700" cmpd="sng">
+                      <a:noFill/>
+                    </a:lnL>
+                    <a:lnR w="12700" cmpd="sng">
+                      <a:noFill/>
+                    </a:lnR>
+                    <a:lnT w="12700" cap="flat" cmpd="sng" algn="ctr">
+                      <a:solidFill>
+                        <a:schemeClr val="tx1"/>
+                      </a:solidFill>
+                      <a:prstDash val="solid"/>
+                      <a:round/>
+                      <a:headEnd type="none" w="med" len="med"/>
+                      <a:tailEnd type="none" w="med" len="med"/>
+                    </a:lnT>
+                    <a:lnB w="12700" cap="flat" cmpd="sng" algn="ctr">
+                      <a:solidFill>
+                        <a:schemeClr val="tx1"/>
+                      </a:solidFill>
+                      <a:prstDash val="solid"/>
+                      <a:round/>
+                      <a:headEnd type="none" w="med" len="med"/>
+                      <a:tailEnd type="none" w="med" len="med"/>
+                    </a:lnB>
+                    <a:lnTlToBr w="12700" cmpd="sng">
+                      <a:noFill/>
+                      <a:prstDash val="solid"/>
+                    </a:lnTlToBr>
+                    <a:lnBlToTr w="12700" cmpd="sng">
+                      <a:noFill/>
+                      <a:prstDash val="solid"/>
+                    </a:lnBlToTr>
+                    <a:noFill/>
+                  </a:tcPr>
+                </a:tc>
+                <a:extLst>
+                  <a:ext uri="{0D108BD9-81ED-4DB2-BD59-A6C34878D82A}">
+                    <a16:rowId xmlns:a16="http://schemas.microsoft.com/office/drawing/2014/main" val="2872134240"/>
+                  </a:ext>
+                </a:extLst>
+              </a:tr>
+              <a:tr h="0">
+                <a:tc>
+                  <a:txBody>
+                    <a:bodyPr/>
+                    <a:lstStyle/>
+                    <a:p>
+                      <a:pPr algn="l" latinLnBrk="1"/>
+                      <a:r>
+                        <a:rPr lang="ko-KR" altLang="en-US" sz="1100" b="0" dirty="0">
+                          <a:solidFill>
+                            <a:schemeClr val="tx1"/>
+                          </a:solidFill>
+                        </a:rPr>
+                        <a:t>특수 시설을 이용하기 위해서는 일정 등급 이상의 계급이 필요하다</a:t>
+                      </a:r>
+                      <a:r>
+                        <a:rPr lang="en-US" altLang="ko-KR" sz="1100" b="0" dirty="0">
+                          <a:solidFill>
+                            <a:schemeClr val="tx1"/>
+                          </a:solidFill>
+                        </a:rPr>
+                        <a:t>.</a:t>
+                      </a:r>
+                    </a:p>
+                  </a:txBody>
+                  <a:tcPr anchor="ctr">
+                    <a:lnL w="12700" cmpd="sng">
+                      <a:noFill/>
+                    </a:lnL>
+                    <a:lnR w="12700" cmpd="sng">
+                      <a:noFill/>
+                    </a:lnR>
+                    <a:lnT w="12700" cap="flat" cmpd="sng" algn="ctr">
+                      <a:solidFill>
+                        <a:schemeClr val="tx1"/>
+                      </a:solidFill>
+                      <a:prstDash val="solid"/>
+                      <a:round/>
+                      <a:headEnd type="none" w="med" len="med"/>
+                      <a:tailEnd type="none" w="med" len="med"/>
+                    </a:lnT>
+                    <a:lnB w="12700" cap="flat" cmpd="sng" algn="ctr">
+                      <a:solidFill>
+                        <a:schemeClr val="tx1"/>
+                      </a:solidFill>
+                      <a:prstDash val="solid"/>
+                      <a:round/>
+                      <a:headEnd type="none" w="med" len="med"/>
+                      <a:tailEnd type="none" w="med" len="med"/>
+                    </a:lnB>
+                    <a:lnTlToBr w="12700" cmpd="sng">
+                      <a:noFill/>
+                      <a:prstDash val="solid"/>
+                    </a:lnTlToBr>
+                    <a:lnBlToTr w="12700" cmpd="sng">
+                      <a:noFill/>
+                      <a:prstDash val="solid"/>
+                    </a:lnBlToTr>
+                    <a:noFill/>
+                  </a:tcPr>
+                </a:tc>
+                <a:extLst>
+                  <a:ext uri="{0D108BD9-81ED-4DB2-BD59-A6C34878D82A}">
+                    <a16:rowId xmlns:a16="http://schemas.microsoft.com/office/drawing/2014/main" val="3310980879"/>
+                  </a:ext>
+                </a:extLst>
+              </a:tr>
+              <a:tr h="0">
+                <a:tc>
+                  <a:txBody>
+                    <a:bodyPr/>
+                    <a:lstStyle/>
+                    <a:p>
+                      <a:pPr algn="l" latinLnBrk="1"/>
+                      <a:r>
+                        <a:rPr lang="ko-KR" altLang="en-US" sz="1100" b="0" dirty="0">
+                          <a:solidFill>
+                            <a:schemeClr val="tx1"/>
+                          </a:solidFill>
+                        </a:rPr>
+                        <a:t>서고</a:t>
+                      </a:r>
+                      <a:r>
+                        <a:rPr lang="en-US" altLang="ko-KR" sz="1100" b="0" dirty="0">
+                          <a:solidFill>
+                            <a:schemeClr val="tx1"/>
+                          </a:solidFill>
+                        </a:rPr>
+                        <a:t>, </a:t>
+                      </a:r>
+                      <a:r>
+                        <a:rPr lang="ko-KR" altLang="en-US" sz="1100" b="0" dirty="0">
+                          <a:solidFill>
+                            <a:schemeClr val="tx1"/>
+                          </a:solidFill>
+                        </a:rPr>
+                        <a:t>영약 </a:t>
+                      </a:r>
+                      <a:r>
+                        <a:rPr lang="ko-KR" altLang="en-US" sz="1100" b="0" dirty="0" err="1">
+                          <a:solidFill>
+                            <a:schemeClr val="tx1"/>
+                          </a:solidFill>
+                        </a:rPr>
+                        <a:t>제조실</a:t>
+                      </a:r>
+                      <a:r>
+                        <a:rPr lang="en-US" altLang="ko-KR" sz="1100" b="0" dirty="0">
+                          <a:solidFill>
+                            <a:schemeClr val="tx1"/>
+                          </a:solidFill>
+                        </a:rPr>
+                        <a:t>, </a:t>
+                      </a:r>
+                      <a:r>
+                        <a:rPr lang="ko-KR" altLang="en-US" sz="1100" b="0" dirty="0">
+                          <a:solidFill>
+                            <a:schemeClr val="tx1"/>
+                          </a:solidFill>
+                        </a:rPr>
+                        <a:t>대장간</a:t>
+                      </a:r>
+                      <a:r>
+                        <a:rPr lang="en-US" altLang="ko-KR" sz="1100" b="0" dirty="0">
+                          <a:solidFill>
+                            <a:schemeClr val="tx1"/>
+                          </a:solidFill>
+                        </a:rPr>
+                        <a:t>, </a:t>
+                      </a:r>
+                      <a:r>
+                        <a:rPr lang="ko-KR" altLang="en-US" sz="1100" b="0" dirty="0">
+                          <a:solidFill>
+                            <a:schemeClr val="tx1"/>
+                          </a:solidFill>
+                        </a:rPr>
+                        <a:t>병창은 이용 시 공헌도가 소비된다</a:t>
+                      </a:r>
+                      <a:r>
+                        <a:rPr lang="en-US" altLang="ko-KR" sz="1100" b="0" dirty="0">
+                          <a:solidFill>
+                            <a:schemeClr val="tx1"/>
+                          </a:solidFill>
+                        </a:rPr>
+                        <a:t>.</a:t>
+                      </a:r>
+                    </a:p>
+                  </a:txBody>
+                  <a:tcPr anchor="ctr">
+                    <a:lnL w="12700" cmpd="sng">
+                      <a:noFill/>
+                    </a:lnL>
+                    <a:lnR w="12700" cmpd="sng">
+                      <a:noFill/>
+                    </a:lnR>
+                    <a:lnT w="12700" cap="flat" cmpd="sng" algn="ctr">
+                      <a:solidFill>
+                        <a:schemeClr val="tx1"/>
+                      </a:solidFill>
+                      <a:prstDash val="solid"/>
+                      <a:round/>
+                      <a:headEnd type="none" w="med" len="med"/>
+                      <a:tailEnd type="none" w="med" len="med"/>
+                    </a:lnT>
+                    <a:lnB w="12700" cap="flat" cmpd="sng" algn="ctr">
+                      <a:solidFill>
+                        <a:schemeClr val="tx1"/>
+                      </a:solidFill>
+                      <a:prstDash val="solid"/>
+                      <a:round/>
+                      <a:headEnd type="none" w="med" len="med"/>
+                      <a:tailEnd type="none" w="med" len="med"/>
+                    </a:lnB>
+                    <a:lnTlToBr w="12700" cmpd="sng">
+                      <a:noFill/>
+                      <a:prstDash val="solid"/>
+                    </a:lnTlToBr>
+                    <a:lnBlToTr w="12700" cmpd="sng">
+                      <a:noFill/>
+                      <a:prstDash val="solid"/>
+                    </a:lnBlToTr>
+                    <a:noFill/>
+                  </a:tcPr>
+                </a:tc>
+                <a:extLst>
+                  <a:ext uri="{0D108BD9-81ED-4DB2-BD59-A6C34878D82A}">
+                    <a16:rowId xmlns:a16="http://schemas.microsoft.com/office/drawing/2014/main" val="875077621"/>
+                  </a:ext>
+                </a:extLst>
+              </a:tr>
+              <a:tr h="0">
+                <a:tc>
+                  <a:txBody>
+                    <a:bodyPr/>
+                    <a:lstStyle/>
+                    <a:p>
+                      <a:pPr algn="l" latinLnBrk="1"/>
+                      <a:r>
+                        <a:rPr lang="ko-KR" altLang="en-US" sz="1100" b="0" dirty="0">
+                          <a:solidFill>
+                            <a:schemeClr val="tx1"/>
+                          </a:solidFill>
+                        </a:rPr>
+                        <a:t>서고</a:t>
+                      </a:r>
+                      <a:r>
+                        <a:rPr lang="en-US" altLang="ko-KR" sz="1100" b="0" dirty="0">
+                          <a:solidFill>
+                            <a:schemeClr val="tx1"/>
+                          </a:solidFill>
+                        </a:rPr>
+                        <a:t>, </a:t>
+                      </a:r>
+                      <a:r>
+                        <a:rPr lang="ko-KR" altLang="en-US" sz="1100" b="0" dirty="0">
+                          <a:solidFill>
+                            <a:schemeClr val="tx1"/>
+                          </a:solidFill>
+                        </a:rPr>
+                        <a:t>영약 </a:t>
+                      </a:r>
+                      <a:r>
+                        <a:rPr lang="ko-KR" altLang="en-US" sz="1100" b="0" dirty="0" err="1">
+                          <a:solidFill>
+                            <a:schemeClr val="tx1"/>
+                          </a:solidFill>
+                        </a:rPr>
+                        <a:t>제조실</a:t>
+                      </a:r>
+                      <a:r>
+                        <a:rPr lang="en-US" altLang="ko-KR" sz="1100" b="0" dirty="0">
+                          <a:solidFill>
+                            <a:schemeClr val="tx1"/>
+                          </a:solidFill>
+                        </a:rPr>
+                        <a:t>, </a:t>
+                      </a:r>
+                      <a:r>
+                        <a:rPr lang="ko-KR" altLang="en-US" sz="1100" b="0" dirty="0">
+                          <a:solidFill>
+                            <a:schemeClr val="tx1"/>
+                          </a:solidFill>
+                        </a:rPr>
+                        <a:t>대장간</a:t>
+                      </a:r>
+                      <a:r>
+                        <a:rPr lang="en-US" altLang="ko-KR" sz="1100" b="0" dirty="0">
+                          <a:solidFill>
+                            <a:schemeClr val="tx1"/>
+                          </a:solidFill>
+                        </a:rPr>
+                        <a:t>, </a:t>
+                      </a:r>
+                      <a:r>
+                        <a:rPr lang="ko-KR" altLang="en-US" sz="1100" b="0" dirty="0">
+                          <a:solidFill>
+                            <a:schemeClr val="tx1"/>
+                          </a:solidFill>
+                        </a:rPr>
+                        <a:t>병창은 </a:t>
+                      </a:r>
+                      <a:r>
+                        <a:rPr lang="ko-KR" altLang="en-US" sz="1100" b="0" dirty="0" err="1">
+                          <a:solidFill>
+                            <a:schemeClr val="tx1"/>
+                          </a:solidFill>
+                        </a:rPr>
+                        <a:t>문파별로</a:t>
+                      </a:r>
+                      <a:r>
+                        <a:rPr lang="ko-KR" altLang="en-US" sz="1100" b="0" dirty="0">
+                          <a:solidFill>
+                            <a:schemeClr val="tx1"/>
+                          </a:solidFill>
+                        </a:rPr>
+                        <a:t> 특화되어 있는 요소가 있다</a:t>
+                      </a:r>
+                      <a:r>
+                        <a:rPr lang="en-US" altLang="ko-KR" sz="1100" b="0" dirty="0">
+                          <a:solidFill>
+                            <a:schemeClr val="tx1"/>
+                          </a:solidFill>
+                        </a:rPr>
+                        <a:t>.</a:t>
+                      </a:r>
+                    </a:p>
+                  </a:txBody>
+                  <a:tcPr anchor="ctr">
+                    <a:lnL w="12700" cmpd="sng">
+                      <a:noFill/>
+                    </a:lnL>
+                    <a:lnR w="12700" cmpd="sng">
+                      <a:noFill/>
+                    </a:lnR>
+                    <a:lnT w="12700" cap="flat" cmpd="sng" algn="ctr">
+                      <a:solidFill>
+                        <a:schemeClr val="tx1"/>
+                      </a:solidFill>
+                      <a:prstDash val="solid"/>
+                      <a:round/>
+                      <a:headEnd type="none" w="med" len="med"/>
+                      <a:tailEnd type="none" w="med" len="med"/>
+                    </a:lnT>
+                    <a:lnB w="12700" cap="flat" cmpd="sng" algn="ctr">
+                      <a:noFill/>
+                      <a:prstDash val="solid"/>
+                      <a:round/>
+                      <a:headEnd type="none" w="med" len="med"/>
+                      <a:tailEnd type="none" w="med" len="med"/>
+                    </a:lnB>
+                    <a:lnTlToBr w="12700" cmpd="sng">
+                      <a:noFill/>
+                      <a:prstDash val="solid"/>
+                    </a:lnTlToBr>
+                    <a:lnBlToTr w="12700" cmpd="sng">
+                      <a:noFill/>
+                      <a:prstDash val="solid"/>
+                    </a:lnBlToTr>
+                    <a:noFill/>
+                  </a:tcPr>
+                </a:tc>
+                <a:extLst>
+                  <a:ext uri="{0D108BD9-81ED-4DB2-BD59-A6C34878D82A}">
+                    <a16:rowId xmlns:a16="http://schemas.microsoft.com/office/drawing/2014/main" val="592191271"/>
+                  </a:ext>
+                </a:extLst>
+              </a:tr>
+            </a:tbl>
+          </a:graphicData>
+        </a:graphic>
+      </p:graphicFrame>
+    </p:spTree>
+    <p:extLst>
+      <p:ext uri="{BB962C8B-B14F-4D97-AF65-F5344CB8AC3E}">
+        <p14:creationId xmlns:p14="http://schemas.microsoft.com/office/powerpoint/2010/main" val="718375583"/>
       </p:ext>
     </p:extLst>
   </p:cSld>
